--- a/2023/2023-11-10-AI-Updates.pptx
+++ b/2023/2023-11-10-AI-Updates.pptx
@@ -5,7 +5,7 @@
     <p:sldMasterId id="2147483659" r:id="rId1"/>
   </p:sldMasterIdLst>
   <p:notesMasterIdLst>
-    <p:notesMasterId r:id="rId18"/>
+    <p:notesMasterId r:id="rId19"/>
   </p:notesMasterIdLst>
   <p:sldIdLst>
     <p:sldId id="256" r:id="rId2"/>
@@ -24,23 +24,24 @@
     <p:sldId id="269" r:id="rId15"/>
     <p:sldId id="270" r:id="rId16"/>
     <p:sldId id="271" r:id="rId17"/>
+    <p:sldId id="272" r:id="rId18"/>
   </p:sldIdLst>
   <p:sldSz cx="9144000" cy="5143500" type="screen16x9"/>
   <p:notesSz cx="6858000" cy="9144000"/>
   <p:embeddedFontLst>
     <p:embeddedFont>
       <p:font typeface="Calibri" panose="020F0502020204030204" pitchFamily="34" charset="0"/>
-      <p:regular r:id="rId19"/>
-      <p:bold r:id="rId20"/>
-      <p:italic r:id="rId21"/>
-      <p:boldItalic r:id="rId22"/>
+      <p:regular r:id="rId20"/>
+      <p:bold r:id="rId21"/>
+      <p:italic r:id="rId22"/>
+      <p:boldItalic r:id="rId23"/>
     </p:embeddedFont>
     <p:embeddedFont>
       <p:font typeface="Roboto Mono" pitchFamily="49" charset="0"/>
-      <p:regular r:id="rId23"/>
-      <p:bold r:id="rId24"/>
-      <p:italic r:id="rId25"/>
-      <p:boldItalic r:id="rId26"/>
+      <p:regular r:id="rId24"/>
+      <p:bold r:id="rId25"/>
+      <p:italic r:id="rId26"/>
+      <p:boldItalic r:id="rId27"/>
     </p:embeddedFont>
   </p:embeddedFontLst>
   <p:defaultTextStyle>
@@ -1047,7 +1048,7 @@
       </p:grpSpPr>
       <p:sp>
         <p:nvSpPr>
-          <p:cNvPr id="146" name="Google Shape;146;g2976b2cc36a_0_0:notes"/>
+          <p:cNvPr id="146" name="Google Shape;146;g299cb672e79_0_41:notes"/>
           <p:cNvSpPr>
             <a:spLocks noGrp="1" noRot="1" noChangeAspect="1"/>
           </p:cNvSpPr>
@@ -1088,7 +1089,7 @@
       </p:sp>
       <p:sp>
         <p:nvSpPr>
-          <p:cNvPr id="147" name="Google Shape;147;g2976b2cc36a_0_0:notes"/>
+          <p:cNvPr id="147" name="Google Shape;147;g299cb672e79_0_41:notes"/>
           <p:cNvSpPr txBox="1">
             <a:spLocks noGrp="1"/>
           </p:cNvSpPr>
@@ -1137,7 +1138,7 @@
   <p:cSld>
     <p:spTree>
       <p:nvGrpSpPr>
-        <p:cNvPr id="1" name="Shape 151"/>
+        <p:cNvPr id="1" name="Shape 153"/>
         <p:cNvGrpSpPr/>
         <p:nvPr/>
       </p:nvGrpSpPr>
@@ -1151,7 +1152,7 @@
       </p:grpSpPr>
       <p:sp>
         <p:nvSpPr>
-          <p:cNvPr id="152" name="Google Shape;152;g297ac51942f_0_0:notes"/>
+          <p:cNvPr id="154" name="Google Shape;154;g2976b2cc36a_0_0:notes"/>
           <p:cNvSpPr>
             <a:spLocks noGrp="1" noRot="1" noChangeAspect="1"/>
           </p:cNvSpPr>
@@ -1192,7 +1193,7 @@
       </p:sp>
       <p:sp>
         <p:nvSpPr>
-          <p:cNvPr id="153" name="Google Shape;153;g297ac51942f_0_0:notes"/>
+          <p:cNvPr id="155" name="Google Shape;155;g2976b2cc36a_0_0:notes"/>
           <p:cNvSpPr txBox="1">
             <a:spLocks noGrp="1"/>
           </p:cNvSpPr>
@@ -1241,7 +1242,7 @@
   <p:cSld>
     <p:spTree>
       <p:nvGrpSpPr>
-        <p:cNvPr id="1" name="Shape 160"/>
+        <p:cNvPr id="1" name="Shape 161"/>
         <p:cNvGrpSpPr/>
         <p:nvPr/>
       </p:nvGrpSpPr>
@@ -1255,7 +1256,7 @@
       </p:grpSpPr>
       <p:sp>
         <p:nvSpPr>
-          <p:cNvPr id="161" name="Google Shape;161;g29936b3f98c_0_0:notes"/>
+          <p:cNvPr id="162" name="Google Shape;162;g297ac51942f_0_0:notes"/>
           <p:cNvSpPr>
             <a:spLocks noGrp="1" noRot="1" noChangeAspect="1"/>
           </p:cNvSpPr>
@@ -1296,7 +1297,7 @@
       </p:sp>
       <p:sp>
         <p:nvSpPr>
-          <p:cNvPr id="162" name="Google Shape;162;g29936b3f98c_0_0:notes"/>
+          <p:cNvPr id="163" name="Google Shape;163;g297ac51942f_0_0:notes"/>
           <p:cNvSpPr txBox="1">
             <a:spLocks noGrp="1"/>
           </p:cNvSpPr>
@@ -1345,7 +1346,7 @@
   <p:cSld>
     <p:spTree>
       <p:nvGrpSpPr>
-        <p:cNvPr id="1" name="Shape 168"/>
+        <p:cNvPr id="1" name="Shape 170"/>
         <p:cNvGrpSpPr/>
         <p:nvPr/>
       </p:nvGrpSpPr>
@@ -1359,7 +1360,7 @@
       </p:grpSpPr>
       <p:sp>
         <p:nvSpPr>
-          <p:cNvPr id="169" name="Google Shape;169;g297ac519a56_0_0:notes"/>
+          <p:cNvPr id="171" name="Google Shape;171;g29936b3f98c_0_0:notes"/>
           <p:cNvSpPr>
             <a:spLocks noGrp="1" noRot="1" noChangeAspect="1"/>
           </p:cNvSpPr>
@@ -1400,7 +1401,7 @@
       </p:sp>
       <p:sp>
         <p:nvSpPr>
-          <p:cNvPr id="170" name="Google Shape;170;g297ac519a56_0_0:notes"/>
+          <p:cNvPr id="172" name="Google Shape;172;g29936b3f98c_0_0:notes"/>
           <p:cNvSpPr txBox="1">
             <a:spLocks noGrp="1"/>
           </p:cNvSpPr>
@@ -1449,7 +1450,7 @@
   <p:cSld>
     <p:spTree>
       <p:nvGrpSpPr>
-        <p:cNvPr id="1" name="Shape 176"/>
+        <p:cNvPr id="1" name="Shape 178"/>
         <p:cNvGrpSpPr/>
         <p:nvPr/>
       </p:nvGrpSpPr>
@@ -1463,7 +1464,7 @@
       </p:grpSpPr>
       <p:sp>
         <p:nvSpPr>
-          <p:cNvPr id="177" name="Google Shape;177;g25d3c59165e_0_15:notes"/>
+          <p:cNvPr id="179" name="Google Shape;179;g297ac519a56_0_0:notes"/>
           <p:cNvSpPr>
             <a:spLocks noGrp="1" noRot="1" noChangeAspect="1"/>
           </p:cNvSpPr>
@@ -1504,7 +1505,111 @@
       </p:sp>
       <p:sp>
         <p:nvSpPr>
-          <p:cNvPr id="178" name="Google Shape;178;g25d3c59165e_0_15:notes"/>
+          <p:cNvPr id="180" name="Google Shape;180;g297ac519a56_0_0:notes"/>
+          <p:cNvSpPr txBox="1">
+            <a:spLocks noGrp="1"/>
+          </p:cNvSpPr>
+          <p:nvPr>
+            <p:ph type="body" idx="1"/>
+          </p:nvPr>
+        </p:nvSpPr>
+        <p:spPr>
+          <a:xfrm>
+            <a:off x="685800" y="4343400"/>
+            <a:ext cx="5486400" cy="4114800"/>
+          </a:xfrm>
+          <a:prstGeom prst="rect">
+            <a:avLst/>
+          </a:prstGeom>
+        </p:spPr>
+        <p:txBody>
+          <a:bodyPr spcFirstLastPara="1" wrap="square" lIns="91425" tIns="91425" rIns="91425" bIns="91425" anchor="t" anchorCtr="0">
+            <a:noAutofit/>
+          </a:bodyPr>
+          <a:lstStyle/>
+          <a:p>
+            <a:pPr marL="0" lvl="0" indent="0" algn="l" rtl="0">
+              <a:spcBef>
+                <a:spcPts val="0"/>
+              </a:spcBef>
+              <a:spcAft>
+                <a:spcPts val="0"/>
+              </a:spcAft>
+              <a:buNone/>
+            </a:pPr>
+            <a:endParaRPr/>
+          </a:p>
+        </p:txBody>
+      </p:sp>
+    </p:spTree>
+  </p:cSld>
+  <p:clrMapOvr>
+    <a:masterClrMapping/>
+  </p:clrMapOvr>
+</p:notes>
+</file>
+
+<file path=ppt/notesSlides/notesSlide17.xml><?xml version="1.0" encoding="utf-8"?>
+<p:notes xmlns:a="http://schemas.openxmlformats.org/drawingml/2006/main" xmlns:r="http://schemas.openxmlformats.org/officeDocument/2006/relationships" xmlns:p="http://schemas.openxmlformats.org/presentationml/2006/main" showMasterSp="0" showMasterPhAnim="0">
+  <p:cSld>
+    <p:spTree>
+      <p:nvGrpSpPr>
+        <p:cNvPr id="1" name="Shape 186"/>
+        <p:cNvGrpSpPr/>
+        <p:nvPr/>
+      </p:nvGrpSpPr>
+      <p:grpSpPr>
+        <a:xfrm>
+          <a:off x="0" y="0"/>
+          <a:ext cx="0" cy="0"/>
+          <a:chOff x="0" y="0"/>
+          <a:chExt cx="0" cy="0"/>
+        </a:xfrm>
+      </p:grpSpPr>
+      <p:sp>
+        <p:nvSpPr>
+          <p:cNvPr id="187" name="Google Shape;187;g25d3c59165e_0_15:notes"/>
+          <p:cNvSpPr>
+            <a:spLocks noGrp="1" noRot="1" noChangeAspect="1"/>
+          </p:cNvSpPr>
+          <p:nvPr>
+            <p:ph type="sldImg" idx="2"/>
+          </p:nvPr>
+        </p:nvSpPr>
+        <p:spPr>
+          <a:xfrm>
+            <a:off x="381300" y="685800"/>
+            <a:ext cx="6096000" cy="3429000"/>
+          </a:xfrm>
+          <a:custGeom>
+            <a:avLst/>
+            <a:gdLst/>
+            <a:ahLst/>
+            <a:cxnLst/>
+            <a:rect l="l" t="t" r="r" b="b"/>
+            <a:pathLst>
+              <a:path w="120000" h="120000" extrusionOk="0">
+                <a:moveTo>
+                  <a:pt x="0" y="0"/>
+                </a:moveTo>
+                <a:lnTo>
+                  <a:pt x="120000" y="0"/>
+                </a:lnTo>
+                <a:lnTo>
+                  <a:pt x="120000" y="120000"/>
+                </a:lnTo>
+                <a:lnTo>
+                  <a:pt x="0" y="120000"/>
+                </a:lnTo>
+                <a:close/>
+              </a:path>
+            </a:pathLst>
+          </a:custGeom>
+        </p:spPr>
+      </p:sp>
+      <p:sp>
+        <p:nvSpPr>
+          <p:cNvPr id="188" name="Google Shape;188;g25d3c59165e_0_15:notes"/>
           <p:cNvSpPr txBox="1">
             <a:spLocks noGrp="1"/>
           </p:cNvSpPr>
@@ -1761,7 +1866,7 @@
   <p:cSld>
     <p:spTree>
       <p:nvGrpSpPr>
-        <p:cNvPr id="1" name="Shape 72"/>
+        <p:cNvPr id="1" name="Shape 73"/>
         <p:cNvGrpSpPr/>
         <p:nvPr/>
       </p:nvGrpSpPr>
@@ -1775,7 +1880,7 @@
       </p:grpSpPr>
       <p:sp>
         <p:nvSpPr>
-          <p:cNvPr id="73" name="Google Shape;73;g2992911ad70_0_0:notes"/>
+          <p:cNvPr id="74" name="Google Shape;74;g2992911ad70_0_0:notes"/>
           <p:cNvSpPr>
             <a:spLocks noGrp="1" noRot="1" noChangeAspect="1"/>
           </p:cNvSpPr>
@@ -1816,7 +1921,7 @@
       </p:sp>
       <p:sp>
         <p:nvSpPr>
-          <p:cNvPr id="74" name="Google Shape;74;g2992911ad70_0_0:notes"/>
+          <p:cNvPr id="75" name="Google Shape;75;g2992911ad70_0_0:notes"/>
           <p:cNvSpPr txBox="1">
             <a:spLocks noGrp="1"/>
           </p:cNvSpPr>
@@ -1865,7 +1970,7 @@
   <p:cSld>
     <p:spTree>
       <p:nvGrpSpPr>
-        <p:cNvPr id="1" name="Shape 79"/>
+        <p:cNvPr id="1" name="Shape 80"/>
         <p:cNvGrpSpPr/>
         <p:nvPr/>
       </p:nvGrpSpPr>
@@ -1879,7 +1984,7 @@
       </p:grpSpPr>
       <p:sp>
         <p:nvSpPr>
-          <p:cNvPr id="80" name="Google Shape;80;g297e6e57521_0_0:notes"/>
+          <p:cNvPr id="81" name="Google Shape;81;g297e6e57521_0_0:notes"/>
           <p:cNvSpPr>
             <a:spLocks noGrp="1" noRot="1" noChangeAspect="1"/>
           </p:cNvSpPr>
@@ -1920,7 +2025,7 @@
       </p:sp>
       <p:sp>
         <p:nvSpPr>
-          <p:cNvPr id="81" name="Google Shape;81;g297e6e57521_0_0:notes"/>
+          <p:cNvPr id="82" name="Google Shape;82;g297e6e57521_0_0:notes"/>
           <p:cNvSpPr txBox="1">
             <a:spLocks noGrp="1"/>
           </p:cNvSpPr>
@@ -1969,7 +2074,7 @@
   <p:cSld>
     <p:spTree>
       <p:nvGrpSpPr>
-        <p:cNvPr id="1" name="Shape 88"/>
+        <p:cNvPr id="1" name="Shape 89"/>
         <p:cNvGrpSpPr/>
         <p:nvPr/>
       </p:nvGrpSpPr>
@@ -1983,7 +2088,7 @@
       </p:grpSpPr>
       <p:sp>
         <p:nvSpPr>
-          <p:cNvPr id="89" name="Google Shape;89;g299b974c391_0_8:notes"/>
+          <p:cNvPr id="90" name="Google Shape;90;g299b974c391_0_8:notes"/>
           <p:cNvSpPr>
             <a:spLocks noGrp="1" noRot="1" noChangeAspect="1"/>
           </p:cNvSpPr>
@@ -2024,7 +2129,7 @@
       </p:sp>
       <p:sp>
         <p:nvSpPr>
-          <p:cNvPr id="90" name="Google Shape;90;g299b974c391_0_8:notes"/>
+          <p:cNvPr id="91" name="Google Shape;91;g299b974c391_0_8:notes"/>
           <p:cNvSpPr txBox="1">
             <a:spLocks noGrp="1"/>
           </p:cNvSpPr>
@@ -2073,7 +2178,7 @@
   <p:cSld>
     <p:spTree>
       <p:nvGrpSpPr>
-        <p:cNvPr id="1" name="Shape 96"/>
+        <p:cNvPr id="1" name="Shape 97"/>
         <p:cNvGrpSpPr/>
         <p:nvPr/>
       </p:nvGrpSpPr>
@@ -2087,7 +2192,7 @@
       </p:grpSpPr>
       <p:sp>
         <p:nvSpPr>
-          <p:cNvPr id="97" name="Google Shape;97;g299456bc2a3_0_0:notes"/>
+          <p:cNvPr id="98" name="Google Shape;98;g299456bc2a3_0_0:notes"/>
           <p:cNvSpPr>
             <a:spLocks noGrp="1" noRot="1" noChangeAspect="1"/>
           </p:cNvSpPr>
@@ -2128,7 +2233,7 @@
       </p:sp>
       <p:sp>
         <p:nvSpPr>
-          <p:cNvPr id="98" name="Google Shape;98;g299456bc2a3_0_0:notes"/>
+          <p:cNvPr id="99" name="Google Shape;99;g299456bc2a3_0_0:notes"/>
           <p:cNvSpPr txBox="1">
             <a:spLocks noGrp="1"/>
           </p:cNvSpPr>
@@ -9358,8 +9463,8 @@
         </p:nvSpPr>
         <p:spPr>
           <a:xfrm>
-            <a:off x="3" y="0"/>
-            <a:ext cx="4412400" cy="492600"/>
+            <a:off x="-4" y="-76200"/>
+            <a:ext cx="2316000" cy="492600"/>
           </a:xfrm>
           <a:prstGeom prst="rect">
             <a:avLst/>
@@ -9394,7 +9499,7 @@
                 <a:cs typeface="Calibri"/>
                 <a:sym typeface="Calibri"/>
               </a:rPr>
-              <a:t>RLHF + Reward Model + PPO on LLMs</a:t>
+              <a:t>Misc - 2</a:t>
             </a:r>
             <a:endParaRPr sz="2000" b="1">
               <a:latin typeface="Calibri"/>
@@ -9413,8 +9518,8 @@
         </p:nvSpPr>
         <p:spPr>
           <a:xfrm>
-            <a:off x="102185" y="552000"/>
-            <a:ext cx="4565700" cy="985200"/>
+            <a:off x="123625" y="790351"/>
+            <a:ext cx="4375200" cy="2586000"/>
           </a:xfrm>
           <a:prstGeom prst="rect">
             <a:avLst/>
@@ -9445,14 +9550,47 @@
               <a:spcAft>
                 <a:spcPts val="0"/>
               </a:spcAft>
-              <a:buClr>
-                <a:schemeClr val="dk1"/>
-              </a:buClr>
-              <a:buSzPts val="1100"/>
-              <a:buFont typeface="Arial"/>
               <a:buNone/>
             </a:pPr>
             <a:r>
+              <a:rPr lang="en" sz="1300" b="1">
+                <a:solidFill>
+                  <a:srgbClr val="FF0000"/>
+                </a:solidFill>
+                <a:latin typeface="Calibri"/>
+                <a:ea typeface="Calibri"/>
+                <a:cs typeface="Calibri"/>
+                <a:sym typeface="Calibri"/>
+              </a:rPr>
+              <a:t>LongQLoRA</a:t>
+            </a:r>
+            <a:r>
+              <a:rPr lang="en" sz="1300">
+                <a:latin typeface="Calibri"/>
+                <a:ea typeface="Calibri"/>
+                <a:cs typeface="Calibri"/>
+                <a:sym typeface="Calibri"/>
+              </a:rPr>
+              <a:t>: Efficient and Effective Method to Extend Context Length of LLMs - open-source</a:t>
+            </a:r>
+            <a:endParaRPr sz="1300">
+              <a:latin typeface="Calibri"/>
+              <a:ea typeface="Calibri"/>
+              <a:cs typeface="Calibri"/>
+              <a:sym typeface="Calibri"/>
+            </a:endParaRPr>
+          </a:p>
+          <a:p>
+            <a:pPr marL="0" lvl="0" indent="0" algn="l" rtl="0">
+              <a:spcBef>
+                <a:spcPts val="0"/>
+              </a:spcBef>
+              <a:spcAft>
+                <a:spcPts val="0"/>
+              </a:spcAft>
+              <a:buNone/>
+            </a:pPr>
+            <a:r>
               <a:rPr lang="en" sz="1300" u="sng">
                 <a:solidFill>
                   <a:schemeClr val="hlink"/>
@@ -9463,11 +9601,152 @@
                 <a:sym typeface="Calibri"/>
                 <a:hlinkClick r:id="rId3"/>
               </a:rPr>
-              <a:t>https://medium.com/@madhur.prashant7/rlhf-reward-model-ppo-on-llms-dfc92ec3885f</a:t>
+              <a:t>https://github.com/yangjianxin1/longqlora</a:t>
+            </a:r>
+            <a:r>
+              <a:rPr lang="en" sz="1300">
+                <a:latin typeface="Calibri"/>
+                <a:ea typeface="Calibri"/>
+                <a:cs typeface="Calibri"/>
+                <a:sym typeface="Calibri"/>
+              </a:rPr>
+              <a:t> </a:t>
             </a:r>
             <a:endParaRPr sz="1300">
+              <a:latin typeface="Calibri"/>
+              <a:ea typeface="Calibri"/>
+              <a:cs typeface="Calibri"/>
+              <a:sym typeface="Calibri"/>
+            </a:endParaRPr>
+          </a:p>
+          <a:p>
+            <a:pPr marL="0" lvl="0" indent="0" algn="l" rtl="0">
+              <a:spcBef>
+                <a:spcPts val="0"/>
+              </a:spcBef>
+              <a:spcAft>
+                <a:spcPts val="0"/>
+              </a:spcAft>
+              <a:buNone/>
+            </a:pPr>
+            <a:endParaRPr sz="1300">
+              <a:latin typeface="Calibri"/>
+              <a:ea typeface="Calibri"/>
+              <a:cs typeface="Calibri"/>
+              <a:sym typeface="Calibri"/>
+            </a:endParaRPr>
+          </a:p>
+          <a:p>
+            <a:pPr marL="0" lvl="0" indent="0" algn="l" rtl="0">
+              <a:spcBef>
+                <a:spcPts val="0"/>
+              </a:spcBef>
+              <a:spcAft>
+                <a:spcPts val="0"/>
+              </a:spcAft>
+              <a:buNone/>
+            </a:pPr>
+            <a:r>
+              <a:rPr lang="en" sz="1300">
+                <a:latin typeface="Calibri"/>
+                <a:ea typeface="Calibri"/>
+                <a:cs typeface="Calibri"/>
+                <a:sym typeface="Calibri"/>
+              </a:rPr>
+              <a:t>LongQLoRA is a memory-efficient and effective method to extend context length of LLMs with less training GPUs. </a:t>
+            </a:r>
+            <a:endParaRPr sz="1300">
+              <a:latin typeface="Calibri"/>
+              <a:ea typeface="Calibri"/>
+              <a:cs typeface="Calibri"/>
+              <a:sym typeface="Calibri"/>
+            </a:endParaRPr>
+          </a:p>
+          <a:p>
+            <a:pPr marL="0" lvl="0" indent="0" algn="l" rtl="0">
+              <a:spcBef>
+                <a:spcPts val="0"/>
+              </a:spcBef>
+              <a:spcAft>
+                <a:spcPts val="0"/>
+              </a:spcAft>
+              <a:buNone/>
+            </a:pPr>
+            <a:r>
+              <a:rPr lang="en" sz="1300">
+                <a:latin typeface="Calibri"/>
+                <a:ea typeface="Calibri"/>
+                <a:cs typeface="Calibri"/>
+                <a:sym typeface="Calibri"/>
+              </a:rPr>
+              <a:t>On a single 32GB V100 GPU, LongQLoRA can extend the context length of LLaMA2 7B and 13B from 4096 to 8192 and even to 12k. LongQLoRA achieves competitive perplexity performance on PG19 and Proof-pile dataset after only 1000 finetuning steps, our model outperforms LongLoRA and is very close to MPT-7B-8K.</a:t>
+            </a:r>
+            <a:endParaRPr sz="1300">
+              <a:latin typeface="Calibri"/>
+              <a:ea typeface="Calibri"/>
+              <a:cs typeface="Calibri"/>
+              <a:sym typeface="Calibri"/>
+            </a:endParaRPr>
+          </a:p>
+        </p:txBody>
+      </p:sp>
+      <p:sp>
+        <p:nvSpPr>
+          <p:cNvPr id="151" name="Google Shape;151;p24"/>
+          <p:cNvSpPr txBox="1"/>
+          <p:nvPr/>
+        </p:nvSpPr>
+        <p:spPr>
+          <a:xfrm>
+            <a:off x="123625" y="3478351"/>
+            <a:ext cx="4375200" cy="785100"/>
+          </a:xfrm>
+          <a:prstGeom prst="rect">
+            <a:avLst/>
+          </a:prstGeom>
+          <a:solidFill>
+            <a:srgbClr val="FFF2CC"/>
+          </a:solidFill>
+          <a:ln w="9525" cap="flat" cmpd="sng">
+            <a:solidFill>
+              <a:srgbClr val="FF0000"/>
+            </a:solidFill>
+            <a:prstDash val="solid"/>
+            <a:round/>
+            <a:headEnd type="none" w="sm" len="sm"/>
+            <a:tailEnd type="none" w="sm" len="sm"/>
+          </a:ln>
+        </p:spPr>
+        <p:txBody>
+          <a:bodyPr spcFirstLastPara="1" wrap="square" lIns="91425" tIns="91425" rIns="91425" bIns="91425" anchor="t" anchorCtr="0">
+            <a:spAutoFit/>
+          </a:bodyPr>
+          <a:lstStyle/>
+          <a:p>
+            <a:pPr marL="0" lvl="0" indent="0" algn="l" rtl="0">
+              <a:spcBef>
+                <a:spcPts val="0"/>
+              </a:spcBef>
+              <a:spcAft>
+                <a:spcPts val="0"/>
+              </a:spcAft>
+              <a:buNone/>
+            </a:pPr>
+            <a:r>
+              <a:rPr lang="en" sz="1300" b="1">
+                <a:solidFill>
+                  <a:srgbClr val="FF0000"/>
+                </a:solidFill>
+                <a:latin typeface="Calibri"/>
+                <a:ea typeface="Calibri"/>
+                <a:cs typeface="Calibri"/>
+                <a:sym typeface="Calibri"/>
+              </a:rPr>
+              <a:t>Self-RAG</a:t>
+            </a:r>
+            <a:endParaRPr sz="1300" b="1">
               <a:solidFill>
-                <a:schemeClr val="dk1"/>
+                <a:srgbClr val="FF0000"/>
               </a:solidFill>
               <a:latin typeface="Calibri"/>
               <a:ea typeface="Calibri"/>
@@ -9483,28 +9762,96 @@
               <a:spcAft>
                 <a:spcPts val="0"/>
               </a:spcAft>
-              <a:buClr>
-                <a:schemeClr val="dk1"/>
-              </a:buClr>
-              <a:buSzPts val="1100"/>
-              <a:buFont typeface="Arial"/>
               <a:buNone/>
             </a:pPr>
             <a:r>
+              <a:rPr lang="en" sz="1300" u="sng">
+                <a:solidFill>
+                  <a:schemeClr val="hlink"/>
+                </a:solidFill>
+                <a:latin typeface="Calibri"/>
+                <a:ea typeface="Calibri"/>
+                <a:cs typeface="Calibri"/>
+                <a:sym typeface="Calibri"/>
+                <a:hlinkClick r:id="rId4"/>
+              </a:rPr>
+              <a:t>https://levelup.gitconnected.com/upgrade-your-retrieval-augmented-generation-with-self-rag-bb30b2a0ffa4</a:t>
+            </a:r>
+            <a:endParaRPr sz="1300">
+              <a:latin typeface="Calibri"/>
+              <a:ea typeface="Calibri"/>
+              <a:cs typeface="Calibri"/>
+              <a:sym typeface="Calibri"/>
+            </a:endParaRPr>
+          </a:p>
+        </p:txBody>
+      </p:sp>
+      <p:sp>
+        <p:nvSpPr>
+          <p:cNvPr id="152" name="Google Shape;152;p24"/>
+          <p:cNvSpPr txBox="1"/>
+          <p:nvPr/>
+        </p:nvSpPr>
+        <p:spPr>
+          <a:xfrm>
+            <a:off x="4611875" y="790350"/>
+            <a:ext cx="4435200" cy="985200"/>
+          </a:xfrm>
+          <a:prstGeom prst="rect">
+            <a:avLst/>
+          </a:prstGeom>
+          <a:solidFill>
+            <a:srgbClr val="FFF2CC"/>
+          </a:solidFill>
+          <a:ln w="9525" cap="flat" cmpd="sng">
+            <a:solidFill>
+              <a:srgbClr val="FF0000"/>
+            </a:solidFill>
+            <a:prstDash val="solid"/>
+            <a:round/>
+            <a:headEnd type="none" w="sm" len="sm"/>
+            <a:tailEnd type="none" w="sm" len="sm"/>
+          </a:ln>
+        </p:spPr>
+        <p:txBody>
+          <a:bodyPr spcFirstLastPara="1" wrap="square" lIns="91425" tIns="91425" rIns="91425" bIns="91425" anchor="t" anchorCtr="0">
+            <a:spAutoFit/>
+          </a:bodyPr>
+          <a:lstStyle/>
+          <a:p>
+            <a:pPr marL="0" lvl="0" indent="0" algn="l" rtl="0">
+              <a:spcBef>
+                <a:spcPts val="0"/>
+              </a:spcBef>
+              <a:spcAft>
+                <a:spcPts val="0"/>
+              </a:spcAft>
+              <a:buNone/>
+            </a:pPr>
+            <a:r>
               <a:rPr lang="en" sz="1300">
-                <a:solidFill>
-                  <a:schemeClr val="dk1"/>
-                </a:solidFill>
-                <a:latin typeface="Calibri"/>
-                <a:ea typeface="Calibri"/>
-                <a:cs typeface="Calibri"/>
-                <a:sym typeface="Calibri"/>
-              </a:rPr>
-              <a:t>RLHF = Reinforcement Learning with Human Feedback</a:t>
-            </a:r>
-            <a:endParaRPr sz="1300">
+                <a:latin typeface="Calibri"/>
+                <a:ea typeface="Calibri"/>
+                <a:cs typeface="Calibri"/>
+                <a:sym typeface="Calibri"/>
+              </a:rPr>
+              <a:t>Microsoft has over a million </a:t>
+            </a:r>
+            <a:r>
+              <a:rPr lang="en" sz="1300" b="1">
+                <a:solidFill>
+                  <a:srgbClr val="FF0000"/>
+                </a:solidFill>
+                <a:latin typeface="Calibri"/>
+                <a:ea typeface="Calibri"/>
+                <a:cs typeface="Calibri"/>
+                <a:sym typeface="Calibri"/>
+              </a:rPr>
+              <a:t>paying Github Copilot users</a:t>
+            </a:r>
+            <a:endParaRPr sz="1300" b="1">
               <a:solidFill>
-                <a:schemeClr val="dk1"/>
+                <a:srgbClr val="FF0000"/>
               </a:solidFill>
               <a:latin typeface="Calibri"/>
               <a:ea typeface="Calibri"/>
@@ -9527,22 +9874,33 @@
               <a:buFont typeface="Arial"/>
               <a:buNone/>
             </a:pPr>
+            <a:endParaRPr sz="1300">
+              <a:latin typeface="Calibri"/>
+              <a:ea typeface="Calibri"/>
+              <a:cs typeface="Calibri"/>
+              <a:sym typeface="Calibri"/>
+            </a:endParaRPr>
+          </a:p>
+          <a:p>
+            <a:pPr marL="0" lvl="0" indent="0" algn="l" rtl="0">
+              <a:spcBef>
+                <a:spcPts val="0"/>
+              </a:spcBef>
+              <a:spcAft>
+                <a:spcPts val="0"/>
+              </a:spcAft>
+              <a:buNone/>
+            </a:pPr>
             <a:r>
               <a:rPr lang="en" sz="1300">
-                <a:solidFill>
-                  <a:schemeClr val="dk1"/>
-                </a:solidFill>
-                <a:latin typeface="Calibri"/>
-                <a:ea typeface="Calibri"/>
-                <a:cs typeface="Calibri"/>
-                <a:sym typeface="Calibri"/>
-              </a:rPr>
-              <a:t>PPO = Proximal Policy Optimizer</a:t>
+                <a:latin typeface="Calibri"/>
+                <a:ea typeface="Calibri"/>
+                <a:cs typeface="Calibri"/>
+                <a:sym typeface="Calibri"/>
+              </a:rPr>
+              <a:t>"over 1 million paid copilot users in more than 37,000 organizations"</a:t>
             </a:r>
             <a:endParaRPr sz="1300">
-              <a:solidFill>
-                <a:schemeClr val="dk1"/>
-              </a:solidFill>
               <a:latin typeface="Calibri"/>
               <a:ea typeface="Calibri"/>
               <a:cs typeface="Calibri"/>
@@ -9564,7 +9922,7 @@
   <p:cSld>
     <p:spTree>
       <p:nvGrpSpPr>
-        <p:cNvPr id="1" name="Shape 154"/>
+        <p:cNvPr id="1" name="Shape 156"/>
         <p:cNvGrpSpPr/>
         <p:nvPr/>
       </p:nvGrpSpPr>
@@ -9578,7 +9936,7 @@
       </p:grpSpPr>
       <p:sp>
         <p:nvSpPr>
-          <p:cNvPr id="155" name="Google Shape;155;p25"/>
+          <p:cNvPr id="157" name="Google Shape;157;p25"/>
           <p:cNvSpPr txBox="1"/>
           <p:nvPr/>
         </p:nvSpPr>
@@ -9620,7 +9978,7 @@
                 <a:cs typeface="Calibri"/>
                 <a:sym typeface="Calibri"/>
               </a:rPr>
-              <a:t>LLMs are not good at extrapolation</a:t>
+              <a:t>RLHF + Reward Model + PPO on LLMs</a:t>
             </a:r>
             <a:endParaRPr sz="2000" b="1">
               <a:latin typeface="Calibri"/>
@@ -9633,7 +9991,438 @@
       </p:sp>
       <p:sp>
         <p:nvSpPr>
-          <p:cNvPr id="156" name="Google Shape;156;p25"/>
+          <p:cNvPr id="158" name="Google Shape;158;p25"/>
+          <p:cNvSpPr txBox="1"/>
+          <p:nvPr/>
+        </p:nvSpPr>
+        <p:spPr>
+          <a:xfrm>
+            <a:off x="102176" y="552000"/>
+            <a:ext cx="3953100" cy="985200"/>
+          </a:xfrm>
+          <a:prstGeom prst="rect">
+            <a:avLst/>
+          </a:prstGeom>
+          <a:solidFill>
+            <a:srgbClr val="FFF2CC"/>
+          </a:solidFill>
+          <a:ln w="9525" cap="flat" cmpd="sng">
+            <a:solidFill>
+              <a:srgbClr val="FF0000"/>
+            </a:solidFill>
+            <a:prstDash val="solid"/>
+            <a:round/>
+            <a:headEnd type="none" w="sm" len="sm"/>
+            <a:tailEnd type="none" w="sm" len="sm"/>
+          </a:ln>
+        </p:spPr>
+        <p:txBody>
+          <a:bodyPr spcFirstLastPara="1" wrap="square" lIns="91425" tIns="91425" rIns="91425" bIns="91425" anchor="t" anchorCtr="0">
+            <a:spAutoFit/>
+          </a:bodyPr>
+          <a:lstStyle/>
+          <a:p>
+            <a:pPr marL="0" lvl="0" indent="0" algn="l" rtl="0">
+              <a:spcBef>
+                <a:spcPts val="0"/>
+              </a:spcBef>
+              <a:spcAft>
+                <a:spcPts val="0"/>
+              </a:spcAft>
+              <a:buClr>
+                <a:schemeClr val="dk1"/>
+              </a:buClr>
+              <a:buSzPts val="1100"/>
+              <a:buFont typeface="Arial"/>
+              <a:buNone/>
+            </a:pPr>
+            <a:r>
+              <a:rPr lang="en" sz="1300" u="sng">
+                <a:solidFill>
+                  <a:schemeClr val="hlink"/>
+                </a:solidFill>
+                <a:latin typeface="Calibri"/>
+                <a:ea typeface="Calibri"/>
+                <a:cs typeface="Calibri"/>
+                <a:sym typeface="Calibri"/>
+                <a:hlinkClick r:id="rId3"/>
+              </a:rPr>
+              <a:t>https://medium.com/@madhur.prashant7/rlhf-reward-model-ppo-on-llms-dfc92ec3885f</a:t>
+            </a:r>
+            <a:endParaRPr sz="1300">
+              <a:solidFill>
+                <a:schemeClr val="dk1"/>
+              </a:solidFill>
+              <a:latin typeface="Calibri"/>
+              <a:ea typeface="Calibri"/>
+              <a:cs typeface="Calibri"/>
+              <a:sym typeface="Calibri"/>
+            </a:endParaRPr>
+          </a:p>
+          <a:p>
+            <a:pPr marL="0" lvl="0" indent="0" algn="l" rtl="0">
+              <a:spcBef>
+                <a:spcPts val="0"/>
+              </a:spcBef>
+              <a:spcAft>
+                <a:spcPts val="0"/>
+              </a:spcAft>
+              <a:buClr>
+                <a:schemeClr val="dk1"/>
+              </a:buClr>
+              <a:buSzPts val="1100"/>
+              <a:buFont typeface="Arial"/>
+              <a:buNone/>
+            </a:pPr>
+            <a:r>
+              <a:rPr lang="en" sz="1300">
+                <a:solidFill>
+                  <a:schemeClr val="dk1"/>
+                </a:solidFill>
+                <a:latin typeface="Calibri"/>
+                <a:ea typeface="Calibri"/>
+                <a:cs typeface="Calibri"/>
+                <a:sym typeface="Calibri"/>
+              </a:rPr>
+              <a:t>RLHF = Reinforcement Learning with Human Feedback</a:t>
+            </a:r>
+            <a:endParaRPr sz="1300">
+              <a:solidFill>
+                <a:schemeClr val="dk1"/>
+              </a:solidFill>
+              <a:latin typeface="Calibri"/>
+              <a:ea typeface="Calibri"/>
+              <a:cs typeface="Calibri"/>
+              <a:sym typeface="Calibri"/>
+            </a:endParaRPr>
+          </a:p>
+          <a:p>
+            <a:pPr marL="0" lvl="0" indent="0" algn="l" rtl="0">
+              <a:spcBef>
+                <a:spcPts val="0"/>
+              </a:spcBef>
+              <a:spcAft>
+                <a:spcPts val="0"/>
+              </a:spcAft>
+              <a:buClr>
+                <a:schemeClr val="dk1"/>
+              </a:buClr>
+              <a:buSzPts val="1100"/>
+              <a:buFont typeface="Arial"/>
+              <a:buNone/>
+            </a:pPr>
+            <a:r>
+              <a:rPr lang="en" sz="1300">
+                <a:solidFill>
+                  <a:schemeClr val="dk1"/>
+                </a:solidFill>
+                <a:latin typeface="Calibri"/>
+                <a:ea typeface="Calibri"/>
+                <a:cs typeface="Calibri"/>
+                <a:sym typeface="Calibri"/>
+              </a:rPr>
+              <a:t>PPO = Proximal Policy Optimizer</a:t>
+            </a:r>
+            <a:endParaRPr sz="1300">
+              <a:solidFill>
+                <a:schemeClr val="dk1"/>
+              </a:solidFill>
+              <a:latin typeface="Calibri"/>
+              <a:ea typeface="Calibri"/>
+              <a:cs typeface="Calibri"/>
+              <a:sym typeface="Calibri"/>
+            </a:endParaRPr>
+          </a:p>
+        </p:txBody>
+      </p:sp>
+      <p:pic>
+        <p:nvPicPr>
+          <p:cNvPr id="159" name="Google Shape;159;p25"/>
+          <p:cNvPicPr preferRelativeResize="0"/>
+          <p:nvPr/>
+        </p:nvPicPr>
+        <p:blipFill>
+          <a:blip r:embed="rId4" cstate="email">
+            <a:alphaModFix/>
+            <a:extLst>
+              <a:ext uri="{28A0092B-C50C-407E-A947-70E740481C1C}">
+                <a14:useLocalDpi xmlns:a14="http://schemas.microsoft.com/office/drawing/2010/main"/>
+              </a:ext>
+            </a:extLst>
+          </a:blip>
+          <a:stretch>
+            <a:fillRect/>
+          </a:stretch>
+        </p:blipFill>
+        <p:spPr>
+          <a:xfrm>
+            <a:off x="4447725" y="1745400"/>
+            <a:ext cx="4579823" cy="3301499"/>
+          </a:xfrm>
+          <a:prstGeom prst="rect">
+            <a:avLst/>
+          </a:prstGeom>
+          <a:noFill/>
+          <a:ln w="9525" cap="flat" cmpd="sng">
+            <a:solidFill>
+              <a:srgbClr val="FF0000"/>
+            </a:solidFill>
+            <a:prstDash val="solid"/>
+            <a:round/>
+            <a:headEnd type="none" w="sm" len="sm"/>
+            <a:tailEnd type="none" w="sm" len="sm"/>
+          </a:ln>
+        </p:spPr>
+      </p:pic>
+      <p:sp>
+        <p:nvSpPr>
+          <p:cNvPr id="160" name="Google Shape;160;p25"/>
+          <p:cNvSpPr txBox="1"/>
+          <p:nvPr/>
+        </p:nvSpPr>
+        <p:spPr>
+          <a:xfrm>
+            <a:off x="102175" y="1678950"/>
+            <a:ext cx="3953100" cy="1385400"/>
+          </a:xfrm>
+          <a:prstGeom prst="rect">
+            <a:avLst/>
+          </a:prstGeom>
+          <a:solidFill>
+            <a:srgbClr val="FFF2CC"/>
+          </a:solidFill>
+          <a:ln w="9525" cap="flat" cmpd="sng">
+            <a:solidFill>
+              <a:srgbClr val="FF0000"/>
+            </a:solidFill>
+            <a:prstDash val="solid"/>
+            <a:round/>
+            <a:headEnd type="none" w="sm" len="sm"/>
+            <a:tailEnd type="none" w="sm" len="sm"/>
+          </a:ln>
+        </p:spPr>
+        <p:txBody>
+          <a:bodyPr spcFirstLastPara="1" wrap="square" lIns="91425" tIns="91425" rIns="91425" bIns="91425" anchor="t" anchorCtr="0">
+            <a:spAutoFit/>
+          </a:bodyPr>
+          <a:lstStyle/>
+          <a:p>
+            <a:pPr marL="0" lvl="0" indent="0" algn="l" rtl="0">
+              <a:spcBef>
+                <a:spcPts val="0"/>
+              </a:spcBef>
+              <a:spcAft>
+                <a:spcPts val="0"/>
+              </a:spcAft>
+              <a:buClr>
+                <a:schemeClr val="dk1"/>
+              </a:buClr>
+              <a:buSzPts val="1100"/>
+              <a:buFont typeface="Arial"/>
+              <a:buNone/>
+            </a:pPr>
+            <a:r>
+              <a:rPr lang="en" sz="1300" b="1">
+                <a:solidFill>
+                  <a:srgbClr val="FF0000"/>
+                </a:solidFill>
+                <a:latin typeface="Calibri"/>
+                <a:ea typeface="Calibri"/>
+                <a:cs typeface="Calibri"/>
+                <a:sym typeface="Calibri"/>
+              </a:rPr>
+              <a:t>Reward Model</a:t>
+            </a:r>
+            <a:endParaRPr sz="1300" b="1">
+              <a:solidFill>
+                <a:srgbClr val="FF0000"/>
+              </a:solidFill>
+              <a:latin typeface="Calibri"/>
+              <a:ea typeface="Calibri"/>
+              <a:cs typeface="Calibri"/>
+              <a:sym typeface="Calibri"/>
+            </a:endParaRPr>
+          </a:p>
+          <a:p>
+            <a:pPr marL="228600" lvl="0" indent="-196850" algn="l" rtl="0">
+              <a:spcBef>
+                <a:spcPts val="0"/>
+              </a:spcBef>
+              <a:spcAft>
+                <a:spcPts val="0"/>
+              </a:spcAft>
+              <a:buSzPts val="1300"/>
+              <a:buFont typeface="Calibri"/>
+              <a:buChar char="●"/>
+            </a:pPr>
+            <a:r>
+              <a:rPr lang="en" sz="1300">
+                <a:solidFill>
+                  <a:schemeClr val="dk1"/>
+                </a:solidFill>
+                <a:latin typeface="Calibri"/>
+                <a:ea typeface="Calibri"/>
+                <a:cs typeface="Calibri"/>
+                <a:sym typeface="Calibri"/>
+              </a:rPr>
+              <a:t>We create and train the </a:t>
+            </a:r>
+            <a:r>
+              <a:rPr lang="en" sz="1300" b="1">
+                <a:solidFill>
+                  <a:srgbClr val="FF0000"/>
+                </a:solidFill>
+                <a:latin typeface="Calibri"/>
+                <a:ea typeface="Calibri"/>
+                <a:cs typeface="Calibri"/>
+                <a:sym typeface="Calibri"/>
+              </a:rPr>
+              <a:t>reward model</a:t>
+            </a:r>
+            <a:r>
+              <a:rPr lang="en" sz="1300">
+                <a:solidFill>
+                  <a:schemeClr val="dk1"/>
+                </a:solidFill>
+                <a:latin typeface="Calibri"/>
+                <a:ea typeface="Calibri"/>
+                <a:cs typeface="Calibri"/>
+                <a:sym typeface="Calibri"/>
+              </a:rPr>
+              <a:t> using human feedback. </a:t>
+            </a:r>
+            <a:endParaRPr sz="1300">
+              <a:solidFill>
+                <a:schemeClr val="dk1"/>
+              </a:solidFill>
+              <a:latin typeface="Calibri"/>
+              <a:ea typeface="Calibri"/>
+              <a:cs typeface="Calibri"/>
+              <a:sym typeface="Calibri"/>
+            </a:endParaRPr>
+          </a:p>
+          <a:p>
+            <a:pPr marL="228600" lvl="0" indent="-196850" algn="l" rtl="0">
+              <a:spcBef>
+                <a:spcPts val="0"/>
+              </a:spcBef>
+              <a:spcAft>
+                <a:spcPts val="0"/>
+              </a:spcAft>
+              <a:buClr>
+                <a:schemeClr val="dk1"/>
+              </a:buClr>
+              <a:buSzPts val="1300"/>
+              <a:buFont typeface="Calibri"/>
+              <a:buChar char="●"/>
+            </a:pPr>
+            <a:r>
+              <a:rPr lang="en" sz="1300">
+                <a:solidFill>
+                  <a:schemeClr val="dk1"/>
+                </a:solidFill>
+                <a:latin typeface="Calibri"/>
+                <a:ea typeface="Calibri"/>
+                <a:cs typeface="Calibri"/>
+                <a:sym typeface="Calibri"/>
+              </a:rPr>
+              <a:t>This model then can be used instead of a human to assign different rewards to different prompt completions.</a:t>
+            </a:r>
+            <a:endParaRPr sz="1300">
+              <a:solidFill>
+                <a:schemeClr val="dk1"/>
+              </a:solidFill>
+              <a:latin typeface="Calibri"/>
+              <a:ea typeface="Calibri"/>
+              <a:cs typeface="Calibri"/>
+              <a:sym typeface="Calibri"/>
+            </a:endParaRPr>
+          </a:p>
+        </p:txBody>
+      </p:sp>
+    </p:spTree>
+  </p:cSld>
+  <p:clrMapOvr>
+    <a:masterClrMapping/>
+  </p:clrMapOvr>
+</p:sld>
+</file>
+
+<file path=ppt/slides/slide14.xml><?xml version="1.0" encoding="utf-8"?>
+<p:sld xmlns:a="http://schemas.openxmlformats.org/drawingml/2006/main" xmlns:r="http://schemas.openxmlformats.org/officeDocument/2006/relationships" xmlns:p="http://schemas.openxmlformats.org/presentationml/2006/main">
+  <p:cSld>
+    <p:spTree>
+      <p:nvGrpSpPr>
+        <p:cNvPr id="1" name="Shape 164"/>
+        <p:cNvGrpSpPr/>
+        <p:nvPr/>
+      </p:nvGrpSpPr>
+      <p:grpSpPr>
+        <a:xfrm>
+          <a:off x="0" y="0"/>
+          <a:ext cx="0" cy="0"/>
+          <a:chOff x="0" y="0"/>
+          <a:chExt cx="0" cy="0"/>
+        </a:xfrm>
+      </p:grpSpPr>
+      <p:sp>
+        <p:nvSpPr>
+          <p:cNvPr id="165" name="Google Shape;165;p26"/>
+          <p:cNvSpPr txBox="1"/>
+          <p:nvPr/>
+        </p:nvSpPr>
+        <p:spPr>
+          <a:xfrm>
+            <a:off x="3" y="0"/>
+            <a:ext cx="4412400" cy="492600"/>
+          </a:xfrm>
+          <a:prstGeom prst="rect">
+            <a:avLst/>
+          </a:prstGeom>
+          <a:noFill/>
+          <a:ln>
+            <a:noFill/>
+          </a:ln>
+        </p:spPr>
+        <p:txBody>
+          <a:bodyPr spcFirstLastPara="1" wrap="square" lIns="91425" tIns="91425" rIns="91425" bIns="91425" anchor="t" anchorCtr="0">
+            <a:spAutoFit/>
+          </a:bodyPr>
+          <a:lstStyle/>
+          <a:p>
+            <a:pPr marL="0" lvl="0" indent="0" algn="l" rtl="0">
+              <a:spcBef>
+                <a:spcPts val="0"/>
+              </a:spcBef>
+              <a:spcAft>
+                <a:spcPts val="0"/>
+              </a:spcAft>
+              <a:buNone/>
+            </a:pPr>
+            <a:r>
+              <a:rPr lang="en" sz="2000" b="1">
+                <a:solidFill>
+                  <a:schemeClr val="dk1"/>
+                </a:solidFill>
+                <a:latin typeface="Calibri"/>
+                <a:ea typeface="Calibri"/>
+                <a:cs typeface="Calibri"/>
+                <a:sym typeface="Calibri"/>
+              </a:rPr>
+              <a:t>LLMs are not good at extrapolation</a:t>
+            </a:r>
+            <a:endParaRPr sz="2000" b="1">
+              <a:latin typeface="Calibri"/>
+              <a:ea typeface="Calibri"/>
+              <a:cs typeface="Calibri"/>
+              <a:sym typeface="Calibri"/>
+            </a:endParaRPr>
+          </a:p>
+        </p:txBody>
+      </p:sp>
+      <p:sp>
+        <p:nvSpPr>
+          <p:cNvPr id="166" name="Google Shape;166;p26"/>
           <p:cNvSpPr txBox="1"/>
           <p:nvPr/>
         </p:nvSpPr>
@@ -9889,7 +10678,7 @@
       </p:sp>
       <p:pic>
         <p:nvPicPr>
-          <p:cNvPr id="157" name="Google Shape;157;p25"/>
+          <p:cNvPr id="167" name="Google Shape;167;p26"/>
           <p:cNvPicPr preferRelativeResize="0"/>
           <p:nvPr/>
         </p:nvPicPr>
@@ -9922,7 +10711,7 @@
       </p:pic>
       <p:sp>
         <p:nvSpPr>
-          <p:cNvPr id="158" name="Google Shape;158;p25"/>
+          <p:cNvPr id="168" name="Google Shape;168;p26"/>
           <p:cNvSpPr txBox="1"/>
           <p:nvPr/>
         </p:nvSpPr>
@@ -10022,7 +10811,7 @@
       </p:sp>
       <p:pic>
         <p:nvPicPr>
-          <p:cNvPr id="159" name="Google Shape;159;p25"/>
+          <p:cNvPr id="169" name="Google Shape;169;p26"/>
           <p:cNvPicPr preferRelativeResize="0"/>
           <p:nvPr/>
         </p:nvPicPr>
@@ -10056,12 +10845,12 @@
 </p:sld>
 </file>
 
-<file path=ppt/slides/slide14.xml><?xml version="1.0" encoding="utf-8"?>
+<file path=ppt/slides/slide15.xml><?xml version="1.0" encoding="utf-8"?>
 <p:sld xmlns:a="http://schemas.openxmlformats.org/drawingml/2006/main" xmlns:r="http://schemas.openxmlformats.org/officeDocument/2006/relationships" xmlns:p="http://schemas.openxmlformats.org/presentationml/2006/main">
   <p:cSld>
     <p:spTree>
       <p:nvGrpSpPr>
-        <p:cNvPr id="1" name="Shape 163"/>
+        <p:cNvPr id="1" name="Shape 173"/>
         <p:cNvGrpSpPr/>
         <p:nvPr/>
       </p:nvGrpSpPr>
@@ -10075,7 +10864,7 @@
       </p:grpSpPr>
       <p:sp>
         <p:nvSpPr>
-          <p:cNvPr id="164" name="Google Shape;164;p26"/>
+          <p:cNvPr id="174" name="Google Shape;174;p27"/>
           <p:cNvSpPr txBox="1"/>
           <p:nvPr/>
         </p:nvSpPr>
@@ -10130,7 +10919,7 @@
       </p:sp>
       <p:sp>
         <p:nvSpPr>
-          <p:cNvPr id="165" name="Google Shape;165;p26"/>
+          <p:cNvPr id="175" name="Google Shape;175;p27"/>
           <p:cNvSpPr txBox="1"/>
           <p:nvPr/>
         </p:nvSpPr>
@@ -10607,7 +11396,7 @@
       </p:sp>
       <p:pic>
         <p:nvPicPr>
-          <p:cNvPr id="166" name="Google Shape;166;p26"/>
+          <p:cNvPr id="176" name="Google Shape;176;p27"/>
           <p:cNvPicPr preferRelativeResize="0"/>
           <p:nvPr/>
         </p:nvPicPr>
@@ -10640,7 +11429,7 @@
       </p:pic>
       <p:pic>
         <p:nvPicPr>
-          <p:cNvPr id="167" name="Google Shape;167;p26"/>
+          <p:cNvPr id="177" name="Google Shape;177;p27"/>
           <p:cNvPicPr preferRelativeResize="0"/>
           <p:nvPr/>
         </p:nvPicPr>
@@ -10678,12 +11467,12 @@
 </p:sld>
 </file>
 
-<file path=ppt/slides/slide15.xml><?xml version="1.0" encoding="utf-8"?>
+<file path=ppt/slides/slide16.xml><?xml version="1.0" encoding="utf-8"?>
 <p:sld xmlns:a="http://schemas.openxmlformats.org/drawingml/2006/main" xmlns:r="http://schemas.openxmlformats.org/officeDocument/2006/relationships" xmlns:p="http://schemas.openxmlformats.org/presentationml/2006/main">
   <p:cSld>
     <p:spTree>
       <p:nvGrpSpPr>
-        <p:cNvPr id="1" name="Shape 171"/>
+        <p:cNvPr id="1" name="Shape 181"/>
         <p:cNvGrpSpPr/>
         <p:nvPr/>
       </p:nvGrpSpPr>
@@ -10697,7 +11486,7 @@
       </p:grpSpPr>
       <p:sp>
         <p:nvSpPr>
-          <p:cNvPr id="172" name="Google Shape;172;p27"/>
+          <p:cNvPr id="182" name="Google Shape;182;p28"/>
           <p:cNvSpPr txBox="1"/>
           <p:nvPr/>
         </p:nvSpPr>
@@ -11039,7 +11828,7 @@
       </p:sp>
       <p:pic>
         <p:nvPicPr>
-          <p:cNvPr id="173" name="Google Shape;173;p27"/>
+          <p:cNvPr id="183" name="Google Shape;183;p28"/>
           <p:cNvPicPr preferRelativeResize="0"/>
           <p:nvPr/>
         </p:nvPicPr>
@@ -11071,7 +11860,7 @@
       </p:pic>
       <p:sp>
         <p:nvSpPr>
-          <p:cNvPr id="174" name="Google Shape;174;p27"/>
+          <p:cNvPr id="184" name="Google Shape;184;p28"/>
           <p:cNvSpPr txBox="1"/>
           <p:nvPr/>
         </p:nvSpPr>
@@ -11315,7 +12104,7 @@
       </p:sp>
       <p:sp>
         <p:nvSpPr>
-          <p:cNvPr id="175" name="Google Shape;175;p27"/>
+          <p:cNvPr id="185" name="Google Shape;185;p28"/>
           <p:cNvSpPr txBox="1"/>
           <p:nvPr/>
         </p:nvSpPr>
@@ -11376,12 +12165,12 @@
 </p:sld>
 </file>
 
-<file path=ppt/slides/slide16.xml><?xml version="1.0" encoding="utf-8"?>
+<file path=ppt/slides/slide17.xml><?xml version="1.0" encoding="utf-8"?>
 <p:sld xmlns:a="http://schemas.openxmlformats.org/drawingml/2006/main" xmlns:r="http://schemas.openxmlformats.org/officeDocument/2006/relationships" xmlns:p="http://schemas.openxmlformats.org/presentationml/2006/main">
   <p:cSld>
     <p:spTree>
       <p:nvGrpSpPr>
-        <p:cNvPr id="1" name="Shape 179"/>
+        <p:cNvPr id="1" name="Shape 189"/>
         <p:cNvGrpSpPr/>
         <p:nvPr/>
       </p:nvGrpSpPr>
@@ -11395,7 +12184,7 @@
       </p:grpSpPr>
       <p:sp>
         <p:nvSpPr>
-          <p:cNvPr id="180" name="Google Shape;180;p28"/>
+          <p:cNvPr id="190" name="Google Shape;190;p29"/>
           <p:cNvSpPr txBox="1"/>
           <p:nvPr/>
         </p:nvSpPr>
@@ -12082,7 +12871,7 @@
         <p:spPr>
           <a:xfrm>
             <a:off x="87975" y="496325"/>
-            <a:ext cx="5872200" cy="4587000"/>
+            <a:ext cx="5576400" cy="4587000"/>
           </a:xfrm>
           <a:prstGeom prst="rect">
             <a:avLst/>
@@ -12298,7 +13087,7 @@
                 <a:cs typeface="Calibri"/>
                 <a:sym typeface="Calibri"/>
               </a:rPr>
-              <a:t>128K context length (~300 pages of a standard book)</a:t>
+              <a:t>128K context length (~300 pages of a standard book), more accurate</a:t>
             </a:r>
             <a:endParaRPr sz="1300">
               <a:solidFill>
@@ -12335,7 +13124,7 @@
                 <a:cs typeface="Calibri"/>
                 <a:sym typeface="Calibri"/>
               </a:rPr>
-              <a:t>Model is much more accurate over long context </a:t>
+              <a:t>Better function calling (call several functions in one message)</a:t>
             </a:r>
             <a:endParaRPr sz="1300">
               <a:solidFill>
@@ -12372,7 +13161,7 @@
                 <a:cs typeface="Calibri"/>
                 <a:sym typeface="Calibri"/>
               </a:rPr>
-              <a:t>Better function calling (call several functions in one message)</a:t>
+              <a:t>JSON mode on/off - replies with JSON (great for agents)</a:t>
             </a:r>
             <a:endParaRPr sz="1300">
               <a:solidFill>
@@ -12409,7 +13198,7 @@
                 <a:cs typeface="Calibri"/>
                 <a:sym typeface="Calibri"/>
               </a:rPr>
-              <a:t>JSON mode on/off - replies with JSON (great for agents)</a:t>
+              <a:t>Reproducible outputs (based on seed prompt)</a:t>
             </a:r>
             <a:endParaRPr sz="1300">
               <a:solidFill>
@@ -12446,7 +13235,7 @@
                 <a:cs typeface="Calibri"/>
                 <a:sym typeface="Calibri"/>
               </a:rPr>
-              <a:t>Reproducible outputs (based on seed prompt)</a:t>
+              <a:t>Logs</a:t>
             </a:r>
             <a:endParaRPr sz="1300">
               <a:solidFill>
@@ -12483,7 +13272,7 @@
                 <a:cs typeface="Calibri"/>
                 <a:sym typeface="Calibri"/>
               </a:rPr>
-              <a:t>Logs</a:t>
+              <a:t>Better world knowledge up to April 2023, also uses Bing browsing to answer your questions about current events/data</a:t>
             </a:r>
             <a:endParaRPr sz="1300">
               <a:solidFill>
@@ -12520,7 +13309,7 @@
                 <a:cs typeface="Calibri"/>
                 <a:sym typeface="Calibri"/>
               </a:rPr>
-              <a:t>Better world knowledge up to April 2023, also uses Bing browsing to answer your questions about current events/data</a:t>
+              <a:t>Bring in your document directly into GPT (like RAG)</a:t>
             </a:r>
             <a:endParaRPr sz="1300">
               <a:solidFill>
@@ -12557,7 +13346,7 @@
                 <a:cs typeface="Calibri"/>
                 <a:sym typeface="Calibri"/>
               </a:rPr>
-              <a:t>Bring in your document directly into GPT (like RAG)</a:t>
+              <a:t>Multi-modal: text, DALL-E 3, GPT-4 Turbo with vision, TTS (Text To Speech)</a:t>
             </a:r>
             <a:endParaRPr sz="1300">
               <a:solidFill>
@@ -12594,7 +13383,7 @@
                 <a:cs typeface="Calibri"/>
                 <a:sym typeface="Calibri"/>
               </a:rPr>
-              <a:t>DALL-E 3, GPT-4 Turbo with vision, TTS (Text To Speech)</a:t>
+              <a:t>Whisper is open source (speech recognition)</a:t>
             </a:r>
             <a:endParaRPr sz="1300">
               <a:solidFill>
@@ -12631,7 +13420,7 @@
                 <a:cs typeface="Calibri"/>
                 <a:sym typeface="Calibri"/>
               </a:rPr>
-              <a:t>Whisper is open source (speech recognition)</a:t>
+              <a:t>Fine-tuning, custom models (OpenAI works with enterprise customers)</a:t>
             </a:r>
             <a:endParaRPr sz="1300">
               <a:solidFill>
@@ -12668,7 +13457,7 @@
                 <a:cs typeface="Calibri"/>
                 <a:sym typeface="Calibri"/>
               </a:rPr>
-              <a:t>Fine-tuning, custom models (OpenAI works with enterprise customers)</a:t>
+              <a:t>Twice larger rate limit (number of requests per unit of time)</a:t>
             </a:r>
             <a:endParaRPr sz="1300">
               <a:solidFill>
@@ -12705,7 +13494,7 @@
                 <a:cs typeface="Calibri"/>
                 <a:sym typeface="Calibri"/>
               </a:rPr>
-              <a:t>Twice larger rate limit (number of requests per unit of time)</a:t>
+              <a:t>Copyright shield for customers</a:t>
             </a:r>
             <a:endParaRPr sz="1300">
               <a:solidFill>
@@ -12742,7 +13531,7 @@
                 <a:cs typeface="Calibri"/>
                 <a:sym typeface="Calibri"/>
               </a:rPr>
-              <a:t>Copyright shield for customers</a:t>
+              <a:t>GPT4-turbo is x2-3 cheaper (input $0.01/1K tokens, output  $0.03/1K)</a:t>
             </a:r>
             <a:endParaRPr sz="1300">
               <a:solidFill>
@@ -12779,7 +13568,7 @@
                 <a:cs typeface="Calibri"/>
                 <a:sym typeface="Calibri"/>
               </a:rPr>
-              <a:t>GPT4-turbo is x2-3 cheaper (input $0.01/1K tokens, output  $0.03/1K)</a:t>
+              <a:t>GPT-3.5 gets 16K context, $0.001/1K input, $0.002/1K output, improved function calling and reproducible results</a:t>
             </a:r>
             <a:endParaRPr sz="1300">
               <a:solidFill>
@@ -12816,44 +13605,7 @@
                 <a:cs typeface="Calibri"/>
                 <a:sym typeface="Calibri"/>
               </a:rPr>
-              <a:t>GPT-3.5 gets 16K default context, $0.001/1K input, $0.002/1K output, improved function calling and reproducible results</a:t>
-            </a:r>
-            <a:endParaRPr sz="1300">
-              <a:solidFill>
-                <a:schemeClr val="dk1"/>
-              </a:solidFill>
-              <a:latin typeface="Calibri"/>
-              <a:ea typeface="Calibri"/>
-              <a:cs typeface="Calibri"/>
-              <a:sym typeface="Calibri"/>
-            </a:endParaRPr>
-          </a:p>
-          <a:p>
-            <a:pPr marL="228600" lvl="0" indent="-196850" algn="l" rtl="0">
-              <a:spcBef>
-                <a:spcPts val="0"/>
-              </a:spcBef>
-              <a:spcAft>
-                <a:spcPts val="0"/>
-              </a:spcAft>
-              <a:buClr>
-                <a:schemeClr val="dk1"/>
-              </a:buClr>
-              <a:buSzPts val="1300"/>
-              <a:buFont typeface="Calibri"/>
-              <a:buChar char="●"/>
-            </a:pPr>
-            <a:r>
-              <a:rPr lang="en" sz="1300">
-                <a:solidFill>
-                  <a:schemeClr val="dk1"/>
-                </a:solidFill>
-                <a:latin typeface="Calibri"/>
-                <a:ea typeface="Calibri"/>
-                <a:cs typeface="Calibri"/>
-                <a:sym typeface="Calibri"/>
-              </a:rPr>
-              <a:t>GPTs = agents (instruction, expanded knowledge, actions) - publish in dev store</a:t>
+              <a:t>Assistants API, GPTs = customizable without coding = agents (instruction, expanded knowledge, actions) - build using Playground, publish in dev store. </a:t>
             </a:r>
             <a:endParaRPr sz="1300">
               <a:solidFill>
@@ -12888,7 +13640,7 @@
         </p:blipFill>
         <p:spPr>
           <a:xfrm>
-            <a:off x="6454125" y="572525"/>
+            <a:off x="6273275" y="555350"/>
             <a:ext cx="2504950" cy="1402775"/>
           </a:xfrm>
           <a:prstGeom prst="rect">
@@ -12900,6 +13652,58 @@
           </a:ln>
         </p:spPr>
       </p:pic>
+      <p:sp>
+        <p:nvSpPr>
+          <p:cNvPr id="72" name="Google Shape;72;p15"/>
+          <p:cNvSpPr txBox="1"/>
+          <p:nvPr/>
+        </p:nvSpPr>
+        <p:spPr>
+          <a:xfrm>
+            <a:off x="6187125" y="1958125"/>
+            <a:ext cx="2667300" cy="585000"/>
+          </a:xfrm>
+          <a:prstGeom prst="rect">
+            <a:avLst/>
+          </a:prstGeom>
+          <a:noFill/>
+          <a:ln>
+            <a:noFill/>
+          </a:ln>
+        </p:spPr>
+        <p:txBody>
+          <a:bodyPr spcFirstLastPara="1" wrap="square" lIns="91425" tIns="91425" rIns="91425" bIns="91425" anchor="t" anchorCtr="0">
+            <a:spAutoFit/>
+          </a:bodyPr>
+          <a:lstStyle/>
+          <a:p>
+            <a:pPr marL="0" lvl="0" indent="0" algn="l" rtl="0">
+              <a:spcBef>
+                <a:spcPts val="0"/>
+              </a:spcBef>
+              <a:spcAft>
+                <a:spcPts val="0"/>
+              </a:spcAft>
+              <a:buNone/>
+            </a:pPr>
+            <a:r>
+              <a:rPr lang="en" sz="1300">
+                <a:latin typeface="Calibri"/>
+                <a:ea typeface="Calibri"/>
+                <a:cs typeface="Calibri"/>
+                <a:sym typeface="Calibri"/>
+              </a:rPr>
+              <a:t>OpenAI’s ChatGPT now has 100 Mln weekly active users</a:t>
+            </a:r>
+            <a:endParaRPr sz="1300">
+              <a:latin typeface="Calibri"/>
+              <a:ea typeface="Calibri"/>
+              <a:cs typeface="Calibri"/>
+              <a:sym typeface="Calibri"/>
+            </a:endParaRPr>
+          </a:p>
+        </p:txBody>
+      </p:sp>
     </p:spTree>
   </p:cSld>
   <p:clrMapOvr>
@@ -12913,7 +13717,7 @@
   <p:cSld>
     <p:spTree>
       <p:nvGrpSpPr>
-        <p:cNvPr id="1" name="Shape 75"/>
+        <p:cNvPr id="1" name="Shape 76"/>
         <p:cNvGrpSpPr/>
         <p:nvPr/>
       </p:nvGrpSpPr>
@@ -12927,7 +13731,7 @@
       </p:grpSpPr>
       <p:sp>
         <p:nvSpPr>
-          <p:cNvPr id="76" name="Google Shape;76;p16"/>
+          <p:cNvPr id="77" name="Google Shape;77;p16"/>
           <p:cNvSpPr txBox="1"/>
           <p:nvPr/>
         </p:nvSpPr>
@@ -12982,7 +13786,7 @@
       </p:sp>
       <p:sp>
         <p:nvSpPr>
-          <p:cNvPr id="77" name="Google Shape;77;p16"/>
+          <p:cNvPr id="78" name="Google Shape;78;p16"/>
           <p:cNvSpPr txBox="1"/>
           <p:nvPr/>
         </p:nvSpPr>
@@ -13682,7 +14486,7 @@
       </p:sp>
       <p:sp>
         <p:nvSpPr>
-          <p:cNvPr id="78" name="Google Shape;78;p16"/>
+          <p:cNvPr id="79" name="Google Shape;79;p16"/>
           <p:cNvSpPr txBox="1"/>
           <p:nvPr/>
         </p:nvSpPr>
@@ -14132,7 +14936,7 @@
   <p:cSld>
     <p:spTree>
       <p:nvGrpSpPr>
-        <p:cNvPr id="1" name="Shape 82"/>
+        <p:cNvPr id="1" name="Shape 83"/>
         <p:cNvGrpSpPr/>
         <p:nvPr/>
       </p:nvGrpSpPr>
@@ -14146,7 +14950,7 @@
       </p:grpSpPr>
       <p:sp>
         <p:nvSpPr>
-          <p:cNvPr id="83" name="Google Shape;83;p17"/>
+          <p:cNvPr id="84" name="Google Shape;84;p17"/>
           <p:cNvSpPr txBox="1"/>
           <p:nvPr/>
         </p:nvSpPr>
@@ -14201,7 +15005,7 @@
       </p:sp>
       <p:sp>
         <p:nvSpPr>
-          <p:cNvPr id="84" name="Google Shape;84;p17"/>
+          <p:cNvPr id="85" name="Google Shape;85;p17"/>
           <p:cNvSpPr txBox="1"/>
           <p:nvPr/>
         </p:nvSpPr>
@@ -14461,7 +15265,7 @@
       </p:sp>
       <p:graphicFrame>
         <p:nvGraphicFramePr>
-          <p:cNvPr id="85" name="Google Shape;85;p17"/>
+          <p:cNvPr id="86" name="Google Shape;86;p17"/>
           <p:cNvGraphicFramePr/>
           <p:nvPr/>
         </p:nvGraphicFramePr>
@@ -14474,7 +15278,7 @@
             <a:tbl>
               <a:tblPr>
                 <a:noFill/>
-                <a:tableStyleId>{D16B5008-C3E6-47F8-9A0E-61E9A64C1CEA}</a:tableStyleId>
+                <a:tableStyleId>{562B41C3-D9D7-4512-AF92-F4CEB87632FF}</a:tableStyleId>
               </a:tblPr>
               <a:tblGrid>
                 <a:gridCol w="414250">
@@ -21092,7 +21896,7 @@
       </p:graphicFrame>
       <p:sp>
         <p:nvSpPr>
-          <p:cNvPr id="86" name="Google Shape;86;p17"/>
+          <p:cNvPr id="87" name="Google Shape;87;p17"/>
           <p:cNvSpPr txBox="1"/>
           <p:nvPr/>
         </p:nvSpPr>
@@ -21551,7 +22355,7 @@
       </p:sp>
       <p:sp>
         <p:nvSpPr>
-          <p:cNvPr id="87" name="Google Shape;87;p17"/>
+          <p:cNvPr id="88" name="Google Shape;88;p17"/>
           <p:cNvSpPr txBox="1"/>
           <p:nvPr/>
         </p:nvSpPr>
@@ -21628,7 +22432,7 @@
   <p:cSld>
     <p:spTree>
       <p:nvGrpSpPr>
-        <p:cNvPr id="1" name="Shape 91"/>
+        <p:cNvPr id="1" name="Shape 92"/>
         <p:cNvGrpSpPr/>
         <p:nvPr/>
       </p:nvGrpSpPr>
@@ -21642,7 +22446,7 @@
       </p:grpSpPr>
       <p:sp>
         <p:nvSpPr>
-          <p:cNvPr id="92" name="Google Shape;92;p18"/>
+          <p:cNvPr id="93" name="Google Shape;93;p18"/>
           <p:cNvSpPr txBox="1"/>
           <p:nvPr/>
         </p:nvSpPr>
@@ -21697,7 +22501,7 @@
       </p:sp>
       <p:sp>
         <p:nvSpPr>
-          <p:cNvPr id="93" name="Google Shape;93;p18"/>
+          <p:cNvPr id="94" name="Google Shape;94;p18"/>
           <p:cNvSpPr txBox="1"/>
           <p:nvPr/>
         </p:nvSpPr>
@@ -21977,7 +22781,7 @@
       </p:sp>
       <p:pic>
         <p:nvPicPr>
-          <p:cNvPr id="94" name="Google Shape;94;p18"/>
+          <p:cNvPr id="95" name="Google Shape;95;p18"/>
           <p:cNvPicPr preferRelativeResize="0"/>
           <p:nvPr/>
         </p:nvPicPr>
@@ -22010,7 +22814,7 @@
       </p:pic>
       <p:pic>
         <p:nvPicPr>
-          <p:cNvPr id="95" name="Google Shape;95;p18"/>
+          <p:cNvPr id="96" name="Google Shape;96;p18"/>
           <p:cNvPicPr preferRelativeResize="0"/>
           <p:nvPr/>
         </p:nvPicPr>
@@ -22054,7 +22858,7 @@
   <p:cSld>
     <p:spTree>
       <p:nvGrpSpPr>
-        <p:cNvPr id="1" name="Shape 99"/>
+        <p:cNvPr id="1" name="Shape 100"/>
         <p:cNvGrpSpPr/>
         <p:nvPr/>
       </p:nvGrpSpPr>
@@ -22068,14 +22872,14 @@
       </p:grpSpPr>
       <p:sp>
         <p:nvSpPr>
-          <p:cNvPr id="100" name="Google Shape;100;p19"/>
+          <p:cNvPr id="101" name="Google Shape;101;p19"/>
           <p:cNvSpPr txBox="1"/>
           <p:nvPr/>
         </p:nvSpPr>
         <p:spPr>
           <a:xfrm>
             <a:off x="0" y="0"/>
-            <a:ext cx="5850300" cy="461700"/>
+            <a:ext cx="1386000" cy="461700"/>
           </a:xfrm>
           <a:prstGeom prst="rect">
             <a:avLst/>
@@ -22110,7 +22914,7 @@
                 <a:cs typeface="Calibri"/>
                 <a:sym typeface="Calibri"/>
               </a:rPr>
-              <a:t>Trend 1 - smaller LLMs trained on "traces" of bigger models</a:t>
+              <a:t>Trends</a:t>
             </a:r>
             <a:endParaRPr sz="1800" b="1">
               <a:latin typeface="Calibri"/>
@@ -22123,14 +22927,14 @@
       </p:sp>
       <p:sp>
         <p:nvSpPr>
-          <p:cNvPr id="101" name="Google Shape;101;p19"/>
+          <p:cNvPr id="102" name="Google Shape;102;p19"/>
           <p:cNvSpPr txBox="1"/>
           <p:nvPr/>
         </p:nvSpPr>
         <p:spPr>
           <a:xfrm>
-            <a:off x="101600" y="492600"/>
-            <a:ext cx="5600100" cy="2385900"/>
+            <a:off x="101600" y="381000"/>
+            <a:ext cx="5600100" cy="1385400"/>
           </a:xfrm>
           <a:prstGeom prst="rect">
             <a:avLst/>
@@ -22161,9 +22965,51 @@
               <a:spcAft>
                 <a:spcPts val="0"/>
               </a:spcAft>
+              <a:buClr>
+                <a:schemeClr val="dk1"/>
+              </a:buClr>
+              <a:buSzPts val="1100"/>
+              <a:buFont typeface="Arial"/>
               <a:buNone/>
             </a:pPr>
             <a:r>
+              <a:rPr lang="en" sz="1300" b="1">
+                <a:solidFill>
+                  <a:srgbClr val="FF0000"/>
+                </a:solidFill>
+                <a:latin typeface="Calibri"/>
+                <a:ea typeface="Calibri"/>
+                <a:cs typeface="Calibri"/>
+                <a:sym typeface="Calibri"/>
+              </a:rPr>
+              <a:t>Trend 1 - Smaller LLMs trained on "traces" of bigger models</a:t>
+            </a:r>
+            <a:endParaRPr sz="1300" b="1">
+              <a:solidFill>
+                <a:srgbClr val="FF0000"/>
+              </a:solidFill>
+              <a:latin typeface="Calibri"/>
+              <a:ea typeface="Calibri"/>
+              <a:cs typeface="Calibri"/>
+              <a:sym typeface="Calibri"/>
+            </a:endParaRPr>
+          </a:p>
+          <a:p>
+            <a:pPr marL="228600" lvl="0" indent="-196850" algn="l" rtl="0">
+              <a:spcBef>
+                <a:spcPts val="0"/>
+              </a:spcBef>
+              <a:spcAft>
+                <a:spcPts val="0"/>
+              </a:spcAft>
+              <a:buClr>
+                <a:schemeClr val="dk1"/>
+              </a:buClr>
+              <a:buSzPts val="1300"/>
+              <a:buFont typeface="Calibri"/>
+              <a:buChar char="●"/>
+            </a:pPr>
+            <a:r>
               <a:rPr lang="en" sz="1300">
                 <a:solidFill>
                   <a:schemeClr val="dk1"/>
@@ -22173,7 +23019,7 @@
                 <a:cs typeface="Calibri"/>
                 <a:sym typeface="Calibri"/>
               </a:rPr>
-              <a:t>Microsoft Orca - a 13B open-source model </a:t>
+              <a:t>Microsoft Orca - 13B open-source, trained on explanation traces of GPT-4</a:t>
             </a:r>
             <a:endParaRPr sz="1300">
               <a:solidFill>
@@ -22186,14 +23032,16 @@
             </a:endParaRPr>
           </a:p>
           <a:p>
-            <a:pPr marL="0" lvl="0" indent="0" algn="l" rtl="0">
-              <a:spcBef>
-                <a:spcPts val="0"/>
-              </a:spcBef>
-              <a:spcAft>
-                <a:spcPts val="0"/>
-              </a:spcAft>
-              <a:buNone/>
+            <a:pPr marL="228600" lvl="0" indent="-196850" algn="l" rtl="0">
+              <a:spcBef>
+                <a:spcPts val="0"/>
+              </a:spcBef>
+              <a:spcAft>
+                <a:spcPts val="0"/>
+              </a:spcAft>
+              <a:buSzPts val="1300"/>
+              <a:buFont typeface="Calibri"/>
+              <a:buChar char="●"/>
             </a:pPr>
             <a:r>
               <a:rPr lang="en" sz="1300">
@@ -22205,7 +23053,32 @@
                 <a:cs typeface="Calibri"/>
                 <a:sym typeface="Calibri"/>
               </a:rPr>
-              <a:t>trained on explanation traces of GPT-4</a:t>
+              <a:t>Open Orca Dataset - </a:t>
+            </a:r>
+            <a:r>
+              <a:rPr lang="en" sz="1300" u="sng">
+                <a:solidFill>
+                  <a:schemeClr val="hlink"/>
+                </a:solidFill>
+                <a:latin typeface="Calibri"/>
+                <a:ea typeface="Calibri"/>
+                <a:cs typeface="Calibri"/>
+                <a:sym typeface="Calibri"/>
+                <a:hlinkClick r:id="rId3"/>
+              </a:rPr>
+              <a:t>https://huggingface.co/datasets/Open-Orca/OpenOrca</a:t>
+            </a:r>
+            <a:r>
+              <a:rPr lang="en" sz="1300">
+                <a:solidFill>
+                  <a:schemeClr val="dk1"/>
+                </a:solidFill>
+                <a:latin typeface="Calibri"/>
+                <a:ea typeface="Calibri"/>
+                <a:cs typeface="Calibri"/>
+                <a:sym typeface="Calibri"/>
+              </a:rPr>
+              <a:t> </a:t>
             </a:r>
             <a:endParaRPr sz="1300">
               <a:solidFill>
@@ -22218,14 +23091,19 @@
             </a:endParaRPr>
           </a:p>
           <a:p>
-            <a:pPr marL="0" lvl="0" indent="0" algn="l" rtl="0">
-              <a:spcBef>
-                <a:spcPts val="0"/>
-              </a:spcBef>
-              <a:spcAft>
-                <a:spcPts val="0"/>
-              </a:spcAft>
-              <a:buNone/>
+            <a:pPr marL="228600" lvl="0" indent="-196850" algn="l" rtl="0">
+              <a:spcBef>
+                <a:spcPts val="0"/>
+              </a:spcBef>
+              <a:spcAft>
+                <a:spcPts val="0"/>
+              </a:spcAft>
+              <a:buClr>
+                <a:schemeClr val="dk1"/>
+              </a:buClr>
+              <a:buSzPts val="1300"/>
+              <a:buFont typeface="Calibri"/>
+              <a:buChar char="●"/>
             </a:pPr>
             <a:r>
               <a:rPr lang="en" sz="1300">
@@ -22237,32 +23115,7 @@
                 <a:cs typeface="Calibri"/>
                 <a:sym typeface="Calibri"/>
               </a:rPr>
-              <a:t>Open Orca Dataset - </a:t>
-            </a:r>
-            <a:r>
-              <a:rPr lang="en" sz="1300" u="sng">
-                <a:solidFill>
-                  <a:schemeClr val="hlink"/>
-                </a:solidFill>
-                <a:latin typeface="Calibri"/>
-                <a:ea typeface="Calibri"/>
-                <a:cs typeface="Calibri"/>
-                <a:sym typeface="Calibri"/>
-                <a:hlinkClick r:id="rId3"/>
-              </a:rPr>
-              <a:t>https://huggingface.co/datasets/Open-Orca/OpenOrca</a:t>
-            </a:r>
-            <a:r>
-              <a:rPr lang="en" sz="1300">
-                <a:solidFill>
-                  <a:schemeClr val="dk1"/>
-                </a:solidFill>
-                <a:latin typeface="Calibri"/>
-                <a:ea typeface="Calibri"/>
-                <a:cs typeface="Calibri"/>
-                <a:sym typeface="Calibri"/>
-              </a:rPr>
-              <a:t> </a:t>
+              <a:t>GPT-3 - 170B,  GPT-3-Turbo - 20B, faster, cheaper</a:t>
             </a:r>
             <a:endParaRPr sz="1300">
               <a:solidFill>
@@ -22275,15 +23128,32 @@
             </a:endParaRPr>
           </a:p>
           <a:p>
-            <a:pPr marL="0" lvl="0" indent="0" algn="l" rtl="0">
-              <a:spcBef>
-                <a:spcPts val="0"/>
-              </a:spcBef>
-              <a:spcAft>
-                <a:spcPts val="0"/>
-              </a:spcAft>
-              <a:buNone/>
+            <a:pPr marL="228600" lvl="0" indent="-196850" algn="l" rtl="0">
+              <a:spcBef>
+                <a:spcPts val="0"/>
+              </a:spcBef>
+              <a:spcAft>
+                <a:spcPts val="0"/>
+              </a:spcAft>
+              <a:buClr>
+                <a:schemeClr val="dk1"/>
+              </a:buClr>
+              <a:buSzPts val="1300"/>
+              <a:buFont typeface="Calibri"/>
+              <a:buChar char="●"/>
             </a:pPr>
+            <a:r>
+              <a:rPr lang="en" sz="1300">
+                <a:solidFill>
+                  <a:schemeClr val="dk1"/>
+                </a:solidFill>
+                <a:latin typeface="Calibri"/>
+                <a:ea typeface="Calibri"/>
+                <a:cs typeface="Calibri"/>
+                <a:sym typeface="Calibri"/>
+              </a:rPr>
+              <a:t>GPT-4 - 1.7T (8 models, 220B each), GPT-4-Turbo - faster, cheaper (smaller ?)</a:t>
+            </a:r>
             <a:endParaRPr sz="1300">
               <a:solidFill>
                 <a:schemeClr val="dk1"/>
@@ -22295,14 +23165,19 @@
             </a:endParaRPr>
           </a:p>
           <a:p>
-            <a:pPr marL="0" lvl="0" indent="0" algn="l" rtl="0">
-              <a:spcBef>
-                <a:spcPts val="0"/>
-              </a:spcBef>
-              <a:spcAft>
-                <a:spcPts val="0"/>
-              </a:spcAft>
-              <a:buNone/>
+            <a:pPr marL="228600" lvl="0" indent="-196850" algn="l" rtl="0">
+              <a:spcBef>
+                <a:spcPts val="0"/>
+              </a:spcBef>
+              <a:spcAft>
+                <a:spcPts val="0"/>
+              </a:spcAft>
+              <a:buClr>
+                <a:schemeClr val="dk1"/>
+              </a:buClr>
+              <a:buSzPts val="1300"/>
+              <a:buFont typeface="Calibri"/>
+              <a:buChar char="●"/>
             </a:pPr>
             <a:r>
               <a:rPr lang="en" sz="1300">
@@ -22314,7 +23189,7 @@
                 <a:cs typeface="Calibri"/>
                 <a:sym typeface="Calibri"/>
               </a:rPr>
-              <a:t>GPT-3 - 170B</a:t>
+              <a:t>Current leader of HugginFace Open LLM Leaderboard is only 34B !</a:t>
             </a:r>
             <a:endParaRPr sz="1300">
               <a:solidFill>
@@ -22326,179 +23201,11 @@
               <a:sym typeface="Calibri"/>
             </a:endParaRPr>
           </a:p>
-          <a:p>
-            <a:pPr marL="0" lvl="0" indent="0" algn="l" rtl="0">
-              <a:spcBef>
-                <a:spcPts val="0"/>
-              </a:spcBef>
-              <a:spcAft>
-                <a:spcPts val="0"/>
-              </a:spcAft>
-              <a:buNone/>
-            </a:pPr>
-            <a:r>
-              <a:rPr lang="en" sz="1300">
-                <a:solidFill>
-                  <a:schemeClr val="dk1"/>
-                </a:solidFill>
-                <a:latin typeface="Calibri"/>
-                <a:ea typeface="Calibri"/>
-                <a:cs typeface="Calibri"/>
-                <a:sym typeface="Calibri"/>
-              </a:rPr>
-              <a:t>GPT-3-Turbo - 20B, faster, cheaper</a:t>
-            </a:r>
-            <a:endParaRPr sz="1300">
-              <a:solidFill>
-                <a:schemeClr val="dk1"/>
-              </a:solidFill>
-              <a:latin typeface="Calibri"/>
-              <a:ea typeface="Calibri"/>
-              <a:cs typeface="Calibri"/>
-              <a:sym typeface="Calibri"/>
-            </a:endParaRPr>
-          </a:p>
-          <a:p>
-            <a:pPr marL="0" lvl="0" indent="0" algn="l" rtl="0">
-              <a:spcBef>
-                <a:spcPts val="0"/>
-              </a:spcBef>
-              <a:spcAft>
-                <a:spcPts val="0"/>
-              </a:spcAft>
-              <a:buNone/>
-            </a:pPr>
-            <a:endParaRPr sz="1300">
-              <a:solidFill>
-                <a:schemeClr val="dk1"/>
-              </a:solidFill>
-              <a:latin typeface="Calibri"/>
-              <a:ea typeface="Calibri"/>
-              <a:cs typeface="Calibri"/>
-              <a:sym typeface="Calibri"/>
-            </a:endParaRPr>
-          </a:p>
-          <a:p>
-            <a:pPr marL="0" lvl="0" indent="0" algn="l" rtl="0">
-              <a:spcBef>
-                <a:spcPts val="0"/>
-              </a:spcBef>
-              <a:spcAft>
-                <a:spcPts val="0"/>
-              </a:spcAft>
-              <a:buNone/>
-            </a:pPr>
-            <a:r>
-              <a:rPr lang="en" sz="1300">
-                <a:solidFill>
-                  <a:schemeClr val="dk1"/>
-                </a:solidFill>
-                <a:latin typeface="Calibri"/>
-                <a:ea typeface="Calibri"/>
-                <a:cs typeface="Calibri"/>
-                <a:sym typeface="Calibri"/>
-              </a:rPr>
-              <a:t>GPT-4 - eight models, 220B each, ~1.7T total</a:t>
-            </a:r>
-            <a:endParaRPr sz="1300">
-              <a:solidFill>
-                <a:schemeClr val="dk1"/>
-              </a:solidFill>
-              <a:latin typeface="Calibri"/>
-              <a:ea typeface="Calibri"/>
-              <a:cs typeface="Calibri"/>
-              <a:sym typeface="Calibri"/>
-            </a:endParaRPr>
-          </a:p>
-          <a:p>
-            <a:pPr marL="0" lvl="0" indent="0" algn="l" rtl="0">
-              <a:spcBef>
-                <a:spcPts val="0"/>
-              </a:spcBef>
-              <a:spcAft>
-                <a:spcPts val="0"/>
-              </a:spcAft>
-              <a:buNone/>
-            </a:pPr>
-            <a:r>
-              <a:rPr lang="en" sz="1300">
-                <a:solidFill>
-                  <a:schemeClr val="dk1"/>
-                </a:solidFill>
-                <a:latin typeface="Calibri"/>
-                <a:ea typeface="Calibri"/>
-                <a:cs typeface="Calibri"/>
-                <a:sym typeface="Calibri"/>
-              </a:rPr>
-              <a:t>GPT-4-Turbo - faster, cheaper (probably much smaller)</a:t>
-            </a:r>
-            <a:endParaRPr sz="1300">
-              <a:solidFill>
-                <a:schemeClr val="dk1"/>
-              </a:solidFill>
-              <a:latin typeface="Calibri"/>
-              <a:ea typeface="Calibri"/>
-              <a:cs typeface="Calibri"/>
-              <a:sym typeface="Calibri"/>
-            </a:endParaRPr>
-          </a:p>
-          <a:p>
-            <a:pPr marL="0" lvl="0" indent="0" algn="l" rtl="0">
-              <a:spcBef>
-                <a:spcPts val="0"/>
-              </a:spcBef>
-              <a:spcAft>
-                <a:spcPts val="0"/>
-              </a:spcAft>
-              <a:buNone/>
-            </a:pPr>
-            <a:endParaRPr sz="1300">
-              <a:solidFill>
-                <a:schemeClr val="dk1"/>
-              </a:solidFill>
-              <a:latin typeface="Calibri"/>
-              <a:ea typeface="Calibri"/>
-              <a:cs typeface="Calibri"/>
-              <a:sym typeface="Calibri"/>
-            </a:endParaRPr>
-          </a:p>
-          <a:p>
-            <a:pPr marL="0" lvl="0" indent="0" algn="l" rtl="0">
-              <a:spcBef>
-                <a:spcPts val="0"/>
-              </a:spcBef>
-              <a:spcAft>
-                <a:spcPts val="0"/>
-              </a:spcAft>
-              <a:buNone/>
-            </a:pPr>
-            <a:r>
-              <a:rPr lang="en" sz="1300">
-                <a:solidFill>
-                  <a:schemeClr val="dk1"/>
-                </a:solidFill>
-                <a:latin typeface="Calibri"/>
-                <a:ea typeface="Calibri"/>
-                <a:cs typeface="Calibri"/>
-                <a:sym typeface="Calibri"/>
-              </a:rPr>
-              <a:t>Current leader of HugginFace Open LLM Leaderboard is only 34B !</a:t>
-            </a:r>
-            <a:endParaRPr sz="1300">
-              <a:solidFill>
-                <a:schemeClr val="dk1"/>
-              </a:solidFill>
-              <a:latin typeface="Calibri"/>
-              <a:ea typeface="Calibri"/>
-              <a:cs typeface="Calibri"/>
-              <a:sym typeface="Calibri"/>
-            </a:endParaRPr>
-          </a:p>
         </p:txBody>
       </p:sp>
       <p:pic>
         <p:nvPicPr>
-          <p:cNvPr id="102" name="Google Shape;102;p19"/>
+          <p:cNvPr id="103" name="Google Shape;103;p19"/>
           <p:cNvPicPr preferRelativeResize="0"/>
           <p:nvPr/>
         </p:nvPicPr>
@@ -22537,7 +23244,7 @@
       </p:pic>
       <p:sp>
         <p:nvSpPr>
-          <p:cNvPr id="103" name="Google Shape;103;p19"/>
+          <p:cNvPr id="104" name="Google Shape;104;p19"/>
           <p:cNvSpPr txBox="1"/>
           <p:nvPr/>
         </p:nvSpPr>
@@ -22661,7 +23368,7 @@
             </a:endParaRPr>
           </a:p>
           <a:p>
-            <a:pPr marL="457200" lvl="0" indent="-292100" algn="l" rtl="0">
+            <a:pPr marL="228600" lvl="0" indent="-177800" algn="l" rtl="0">
               <a:spcBef>
                 <a:spcPts val="0"/>
               </a:spcBef>
@@ -22708,7 +23415,7 @@
             </a:endParaRPr>
           </a:p>
           <a:p>
-            <a:pPr marL="457200" lvl="0" indent="-292100" algn="l" rtl="0">
+            <a:pPr marL="228600" lvl="0" indent="-177800" algn="l" rtl="0">
               <a:spcBef>
                 <a:spcPts val="0"/>
               </a:spcBef>
@@ -22755,7 +23462,7 @@
             </a:endParaRPr>
           </a:p>
           <a:p>
-            <a:pPr marL="457200" lvl="0" indent="-292100" algn="l" rtl="0">
+            <a:pPr marL="228600" lvl="0" indent="-177800" algn="l" rtl="0">
               <a:spcBef>
                 <a:spcPts val="0"/>
               </a:spcBef>
@@ -22798,61 +23505,6 @@
               <a:solidFill>
                 <a:schemeClr val="dk1"/>
               </a:solidFill>
-              <a:latin typeface="Calibri"/>
-              <a:ea typeface="Calibri"/>
-              <a:cs typeface="Calibri"/>
-              <a:sym typeface="Calibri"/>
-            </a:endParaRPr>
-          </a:p>
-        </p:txBody>
-      </p:sp>
-      <p:sp>
-        <p:nvSpPr>
-          <p:cNvPr id="104" name="Google Shape;104;p19"/>
-          <p:cNvSpPr txBox="1"/>
-          <p:nvPr/>
-        </p:nvSpPr>
-        <p:spPr>
-          <a:xfrm>
-            <a:off x="0" y="2971800"/>
-            <a:ext cx="3497100" cy="461700"/>
-          </a:xfrm>
-          <a:prstGeom prst="rect">
-            <a:avLst/>
-          </a:prstGeom>
-          <a:noFill/>
-          <a:ln>
-            <a:noFill/>
-          </a:ln>
-        </p:spPr>
-        <p:txBody>
-          <a:bodyPr spcFirstLastPara="1" wrap="square" lIns="91425" tIns="91425" rIns="91425" bIns="91425" anchor="t" anchorCtr="0">
-            <a:spAutoFit/>
-          </a:bodyPr>
-          <a:lstStyle/>
-          <a:p>
-            <a:pPr marL="0" lvl="0" indent="0" algn="l" rtl="0">
-              <a:spcBef>
-                <a:spcPts val="0"/>
-              </a:spcBef>
-              <a:spcAft>
-                <a:spcPts val="0"/>
-              </a:spcAft>
-              <a:buNone/>
-            </a:pPr>
-            <a:r>
-              <a:rPr lang="en" sz="1800" b="1">
-                <a:solidFill>
-                  <a:schemeClr val="dk1"/>
-                </a:solidFill>
-                <a:latin typeface="Calibri"/>
-                <a:ea typeface="Calibri"/>
-                <a:cs typeface="Calibri"/>
-                <a:sym typeface="Calibri"/>
-              </a:rPr>
-              <a:t>Trend 2 - teams of models/agents</a:t>
-            </a:r>
-            <a:endParaRPr sz="1800" b="1">
               <a:latin typeface="Calibri"/>
               <a:ea typeface="Calibri"/>
               <a:cs typeface="Calibri"/>
@@ -22869,8 +23521,8 @@
         </p:nvSpPr>
         <p:spPr>
           <a:xfrm>
-            <a:off x="101600" y="3433500"/>
-            <a:ext cx="5600100" cy="585000"/>
+            <a:off x="101600" y="1843025"/>
+            <a:ext cx="5600100" cy="985200"/>
           </a:xfrm>
           <a:prstGeom prst="rect">
             <a:avLst/>
@@ -22904,6 +23556,43 @@
               <a:buNone/>
             </a:pPr>
             <a:r>
+              <a:rPr lang="en" sz="1300" b="1">
+                <a:solidFill>
+                  <a:srgbClr val="FF0000"/>
+                </a:solidFill>
+                <a:latin typeface="Calibri"/>
+                <a:ea typeface="Calibri"/>
+                <a:cs typeface="Calibri"/>
+                <a:sym typeface="Calibri"/>
+              </a:rPr>
+              <a:t>Trend 2 - teams of models/agents</a:t>
+            </a:r>
+            <a:endParaRPr sz="1300" b="1">
+              <a:solidFill>
+                <a:srgbClr val="FF0000"/>
+              </a:solidFill>
+              <a:latin typeface="Calibri"/>
+              <a:ea typeface="Calibri"/>
+              <a:cs typeface="Calibri"/>
+              <a:sym typeface="Calibri"/>
+            </a:endParaRPr>
+          </a:p>
+          <a:p>
+            <a:pPr marL="228600" lvl="0" indent="-196850" algn="l" rtl="0">
+              <a:spcBef>
+                <a:spcPts val="0"/>
+              </a:spcBef>
+              <a:spcAft>
+                <a:spcPts val="0"/>
+              </a:spcAft>
+              <a:buClr>
+                <a:schemeClr val="dk1"/>
+              </a:buClr>
+              <a:buSzPts val="1300"/>
+              <a:buFont typeface="Calibri"/>
+              <a:buChar char="●"/>
+            </a:pPr>
+            <a:r>
               <a:rPr lang="en" sz="1300">
                 <a:solidFill>
                   <a:schemeClr val="dk1"/>
@@ -22913,7 +23602,7 @@
                 <a:cs typeface="Calibri"/>
                 <a:sym typeface="Calibri"/>
               </a:rPr>
-              <a:t>New GPT-4 - text, image understanding, image creation, coding, browsing, etc.</a:t>
+              <a:t>Microsoft AutoGen</a:t>
             </a:r>
             <a:endParaRPr sz="1300">
               <a:solidFill>
@@ -22926,7 +23615,7 @@
             </a:endParaRPr>
           </a:p>
           <a:p>
-            <a:pPr marL="0" lvl="0" indent="0" algn="l" rtl="0">
+            <a:pPr marL="228600" lvl="0" indent="-196850" algn="l" rtl="0">
               <a:spcBef>
                 <a:spcPts val="0"/>
               </a:spcBef>
@@ -22936,9 +23625,9 @@
               <a:buClr>
                 <a:schemeClr val="dk1"/>
               </a:buClr>
-              <a:buSzPts val="1100"/>
-              <a:buFont typeface="Arial"/>
-              <a:buNone/>
+              <a:buSzPts val="1300"/>
+              <a:buFont typeface="Calibri"/>
+              <a:buChar char="●"/>
             </a:pPr>
             <a:r>
               <a:rPr lang="en" sz="1300">
@@ -22950,7 +23639,44 @@
                 <a:cs typeface="Calibri"/>
                 <a:sym typeface="Calibri"/>
               </a:rPr>
-              <a:t>Microsoft AutoGen</a:t>
+              <a:t>Multi-modal models</a:t>
+            </a:r>
+            <a:endParaRPr sz="1300">
+              <a:solidFill>
+                <a:schemeClr val="dk1"/>
+              </a:solidFill>
+              <a:latin typeface="Calibri"/>
+              <a:ea typeface="Calibri"/>
+              <a:cs typeface="Calibri"/>
+              <a:sym typeface="Calibri"/>
+            </a:endParaRPr>
+          </a:p>
+          <a:p>
+            <a:pPr marL="228600" lvl="0" indent="-196850" algn="l" rtl="0">
+              <a:spcBef>
+                <a:spcPts val="0"/>
+              </a:spcBef>
+              <a:spcAft>
+                <a:spcPts val="0"/>
+              </a:spcAft>
+              <a:buClr>
+                <a:schemeClr val="dk1"/>
+              </a:buClr>
+              <a:buSzPts val="1300"/>
+              <a:buFont typeface="Calibri"/>
+              <a:buChar char="●"/>
+            </a:pPr>
+            <a:r>
+              <a:rPr lang="en" sz="1300">
+                <a:solidFill>
+                  <a:schemeClr val="dk1"/>
+                </a:solidFill>
+                <a:latin typeface="Calibri"/>
+                <a:ea typeface="Calibri"/>
+                <a:cs typeface="Calibri"/>
+                <a:sym typeface="Calibri"/>
+              </a:rPr>
+              <a:t>New GPT-4 - text, image (understand/create), coding, browsing, etc.</a:t>
             </a:r>
             <a:endParaRPr sz="1300">
               <a:solidFill>
@@ -22972,63 +23698,8 @@
         </p:nvSpPr>
         <p:spPr>
           <a:xfrm>
-            <a:off x="0" y="4038600"/>
-            <a:ext cx="5534100" cy="461700"/>
-          </a:xfrm>
-          <a:prstGeom prst="rect">
-            <a:avLst/>
-          </a:prstGeom>
-          <a:noFill/>
-          <a:ln>
-            <a:noFill/>
-          </a:ln>
-        </p:spPr>
-        <p:txBody>
-          <a:bodyPr spcFirstLastPara="1" wrap="square" lIns="91425" tIns="91425" rIns="91425" bIns="91425" anchor="t" anchorCtr="0">
-            <a:spAutoFit/>
-          </a:bodyPr>
-          <a:lstStyle/>
-          <a:p>
-            <a:pPr marL="0" lvl="0" indent="0" algn="l" rtl="0">
-              <a:spcBef>
-                <a:spcPts val="0"/>
-              </a:spcBef>
-              <a:spcAft>
-                <a:spcPts val="0"/>
-              </a:spcAft>
-              <a:buNone/>
-            </a:pPr>
-            <a:r>
-              <a:rPr lang="en" sz="1800" b="1">
-                <a:solidFill>
-                  <a:schemeClr val="dk1"/>
-                </a:solidFill>
-                <a:latin typeface="Calibri"/>
-                <a:ea typeface="Calibri"/>
-                <a:cs typeface="Calibri"/>
-                <a:sym typeface="Calibri"/>
-              </a:rPr>
-              <a:t>Trend 3 - self-checking, self-correction</a:t>
-            </a:r>
-            <a:endParaRPr sz="1800" b="1">
-              <a:latin typeface="Calibri"/>
-              <a:ea typeface="Calibri"/>
-              <a:cs typeface="Calibri"/>
-              <a:sym typeface="Calibri"/>
-            </a:endParaRPr>
-          </a:p>
-        </p:txBody>
-      </p:sp>
-      <p:sp>
-        <p:nvSpPr>
-          <p:cNvPr id="107" name="Google Shape;107;p19"/>
-          <p:cNvSpPr txBox="1"/>
-          <p:nvPr/>
-        </p:nvSpPr>
-        <p:spPr>
-          <a:xfrm>
-            <a:off x="101600" y="4500300"/>
-            <a:ext cx="5600100" cy="585000"/>
+            <a:off x="101600" y="2912957"/>
+            <a:ext cx="5600100" cy="785100"/>
           </a:xfrm>
           <a:prstGeom prst="rect">
             <a:avLst/>
@@ -23062,6 +23733,43 @@
               <a:buNone/>
             </a:pPr>
             <a:r>
+              <a:rPr lang="en" sz="1300" b="1">
+                <a:solidFill>
+                  <a:srgbClr val="FF0000"/>
+                </a:solidFill>
+                <a:latin typeface="Calibri"/>
+                <a:ea typeface="Calibri"/>
+                <a:cs typeface="Calibri"/>
+                <a:sym typeface="Calibri"/>
+              </a:rPr>
+              <a:t>Trend 3 - self-checking, self-correction</a:t>
+            </a:r>
+            <a:endParaRPr sz="1300" b="1">
+              <a:solidFill>
+                <a:srgbClr val="FF0000"/>
+              </a:solidFill>
+              <a:latin typeface="Calibri"/>
+              <a:ea typeface="Calibri"/>
+              <a:cs typeface="Calibri"/>
+              <a:sym typeface="Calibri"/>
+            </a:endParaRPr>
+          </a:p>
+          <a:p>
+            <a:pPr marL="228600" lvl="0" indent="-196850" algn="l" rtl="0">
+              <a:spcBef>
+                <a:spcPts val="0"/>
+              </a:spcBef>
+              <a:spcAft>
+                <a:spcPts val="0"/>
+              </a:spcAft>
+              <a:buClr>
+                <a:schemeClr val="dk1"/>
+              </a:buClr>
+              <a:buSzPts val="1300"/>
+              <a:buFont typeface="Calibri"/>
+              <a:buChar char="●"/>
+            </a:pPr>
+            <a:r>
               <a:rPr lang="en" sz="1300">
                 <a:solidFill>
                   <a:schemeClr val="dk1"/>
@@ -23071,7 +23779,7 @@
                 <a:cs typeface="Calibri"/>
                 <a:sym typeface="Calibri"/>
               </a:rPr>
-              <a:t>Example: New GPT-4 - checks execution when writing code</a:t>
+              <a:t>New GPT-4 - checks execution when writing code</a:t>
             </a:r>
             <a:endParaRPr sz="1300">
               <a:solidFill>
@@ -23084,6 +23792,77 @@
             </a:endParaRPr>
           </a:p>
           <a:p>
+            <a:pPr marL="228600" lvl="0" indent="-196850" algn="l" rtl="0">
+              <a:spcBef>
+                <a:spcPts val="0"/>
+              </a:spcBef>
+              <a:spcAft>
+                <a:spcPts val="0"/>
+              </a:spcAft>
+              <a:buClr>
+                <a:schemeClr val="dk1"/>
+              </a:buClr>
+              <a:buSzPts val="1300"/>
+              <a:buFont typeface="Calibri"/>
+              <a:buChar char="●"/>
+            </a:pPr>
+            <a:r>
+              <a:rPr lang="en" sz="1300">
+                <a:solidFill>
+                  <a:schemeClr val="dk1"/>
+                </a:solidFill>
+                <a:latin typeface="Calibri"/>
+                <a:ea typeface="Calibri"/>
+                <a:cs typeface="Calibri"/>
+                <a:sym typeface="Calibri"/>
+              </a:rPr>
+              <a:t>RAG systems - checking the data and output</a:t>
+            </a:r>
+            <a:endParaRPr sz="1300">
+              <a:solidFill>
+                <a:schemeClr val="dk1"/>
+              </a:solidFill>
+              <a:latin typeface="Calibri"/>
+              <a:ea typeface="Calibri"/>
+              <a:cs typeface="Calibri"/>
+              <a:sym typeface="Calibri"/>
+            </a:endParaRPr>
+          </a:p>
+        </p:txBody>
+      </p:sp>
+      <p:sp>
+        <p:nvSpPr>
+          <p:cNvPr id="107" name="Google Shape;107;p19"/>
+          <p:cNvSpPr txBox="1"/>
+          <p:nvPr/>
+        </p:nvSpPr>
+        <p:spPr>
+          <a:xfrm>
+            <a:off x="101600" y="3788304"/>
+            <a:ext cx="5600100" cy="985200"/>
+          </a:xfrm>
+          <a:prstGeom prst="rect">
+            <a:avLst/>
+          </a:prstGeom>
+          <a:solidFill>
+            <a:srgbClr val="FFF2CC"/>
+          </a:solidFill>
+          <a:ln w="9525" cap="flat" cmpd="sng">
+            <a:solidFill>
+              <a:srgbClr val="FF0000"/>
+            </a:solidFill>
+            <a:prstDash val="solid"/>
+            <a:round/>
+            <a:headEnd type="none" w="sm" len="sm"/>
+            <a:tailEnd type="none" w="sm" len="sm"/>
+          </a:ln>
+        </p:spPr>
+        <p:txBody>
+          <a:bodyPr spcFirstLastPara="1" wrap="square" lIns="91425" tIns="91425" rIns="91425" bIns="91425" anchor="t" anchorCtr="0">
+            <a:spAutoFit/>
+          </a:bodyPr>
+          <a:lstStyle/>
+          <a:p>
             <a:pPr marL="0" lvl="0" indent="0" algn="l" rtl="0">
               <a:spcBef>
                 <a:spcPts val="0"/>
@@ -23094,6 +23873,43 @@
               <a:buNone/>
             </a:pPr>
             <a:r>
+              <a:rPr lang="en" sz="1300" b="1">
+                <a:solidFill>
+                  <a:srgbClr val="FF0000"/>
+                </a:solidFill>
+                <a:latin typeface="Calibri"/>
+                <a:ea typeface="Calibri"/>
+                <a:cs typeface="Calibri"/>
+                <a:sym typeface="Calibri"/>
+              </a:rPr>
+              <a:t>Trend 4 - quality of training data ( = 95% of success )</a:t>
+            </a:r>
+            <a:endParaRPr sz="1300" b="1">
+              <a:solidFill>
+                <a:srgbClr val="FF0000"/>
+              </a:solidFill>
+              <a:latin typeface="Calibri"/>
+              <a:ea typeface="Calibri"/>
+              <a:cs typeface="Calibri"/>
+              <a:sym typeface="Calibri"/>
+            </a:endParaRPr>
+          </a:p>
+          <a:p>
+            <a:pPr marL="228600" lvl="0" indent="-196850" algn="l" rtl="0">
+              <a:spcBef>
+                <a:spcPts val="0"/>
+              </a:spcBef>
+              <a:spcAft>
+                <a:spcPts val="0"/>
+              </a:spcAft>
+              <a:buClr>
+                <a:schemeClr val="dk1"/>
+              </a:buClr>
+              <a:buSzPts val="1300"/>
+              <a:buFont typeface="Calibri"/>
+              <a:buChar char="●"/>
+            </a:pPr>
+            <a:r>
               <a:rPr lang="en" sz="1300">
                 <a:solidFill>
                   <a:schemeClr val="dk1"/>
@@ -23103,7 +23919,44 @@
                 <a:cs typeface="Calibri"/>
                 <a:sym typeface="Calibri"/>
               </a:rPr>
-              <a:t>Example: RAG systems - checking the data and output</a:t>
+              <a:t>Good datasets allow to improve models' accuracy</a:t>
+            </a:r>
+            <a:endParaRPr sz="1300">
+              <a:solidFill>
+                <a:schemeClr val="dk1"/>
+              </a:solidFill>
+              <a:latin typeface="Calibri"/>
+              <a:ea typeface="Calibri"/>
+              <a:cs typeface="Calibri"/>
+              <a:sym typeface="Calibri"/>
+            </a:endParaRPr>
+          </a:p>
+          <a:p>
+            <a:pPr marL="228600" lvl="0" indent="-196850" algn="l" rtl="0">
+              <a:spcBef>
+                <a:spcPts val="0"/>
+              </a:spcBef>
+              <a:spcAft>
+                <a:spcPts val="0"/>
+              </a:spcAft>
+              <a:buClr>
+                <a:schemeClr val="dk1"/>
+              </a:buClr>
+              <a:buSzPts val="1300"/>
+              <a:buFont typeface="Calibri"/>
+              <a:buChar char="●"/>
+            </a:pPr>
+            <a:r>
+              <a:rPr lang="en" sz="1300">
+                <a:solidFill>
+                  <a:schemeClr val="dk1"/>
+                </a:solidFill>
+                <a:latin typeface="Calibri"/>
+                <a:ea typeface="Calibri"/>
+                <a:cs typeface="Calibri"/>
+                <a:sym typeface="Calibri"/>
+              </a:rPr>
+              <a:t>OpenAI announced Data Partnerships - to create open-source and private datasets for AI training</a:t>
             </a:r>
             <a:endParaRPr sz="1300">
               <a:solidFill>
